--- a/Intro2Python.pptx
+++ b/Intro2Python.pptx
@@ -5,22 +5,23 @@
     <p:sldMasterId id="2147483648" r:id="rId1"/>
   </p:sldMasterIdLst>
   <p:notesMasterIdLst>
-    <p:notesMasterId r:id="rId15"/>
+    <p:notesMasterId r:id="rId16"/>
   </p:notesMasterIdLst>
   <p:sldIdLst>
     <p:sldId id="256" r:id="rId2"/>
     <p:sldId id="279" r:id="rId3"/>
     <p:sldId id="281" r:id="rId4"/>
-    <p:sldId id="301" r:id="rId5"/>
-    <p:sldId id="286" r:id="rId6"/>
-    <p:sldId id="287" r:id="rId7"/>
+    <p:sldId id="290" r:id="rId5"/>
+    <p:sldId id="301" r:id="rId6"/>
+    <p:sldId id="302" r:id="rId7"/>
     <p:sldId id="289" r:id="rId8"/>
-    <p:sldId id="288" r:id="rId9"/>
-    <p:sldId id="290" r:id="rId10"/>
-    <p:sldId id="297" r:id="rId11"/>
-    <p:sldId id="298" r:id="rId12"/>
-    <p:sldId id="299" r:id="rId13"/>
-    <p:sldId id="300" r:id="rId14"/>
+    <p:sldId id="286" r:id="rId9"/>
+    <p:sldId id="287" r:id="rId10"/>
+    <p:sldId id="288" r:id="rId11"/>
+    <p:sldId id="297" r:id="rId12"/>
+    <p:sldId id="298" r:id="rId13"/>
+    <p:sldId id="299" r:id="rId14"/>
+    <p:sldId id="300" r:id="rId15"/>
   </p:sldIdLst>
   <p:sldSz cx="13004800" cy="7302500"/>
   <p:notesSz cx="6858000" cy="9144000"/>
@@ -1648,56 +1649,312 @@
       </p:grpSpPr>
       <p:sp>
         <p:nvSpPr>
-          <p:cNvPr id="2" name="Title 1"/>
-          <p:cNvSpPr>
-            <a:spLocks noGrp="1"/>
-          </p:cNvSpPr>
-          <p:nvPr>
-            <p:ph type="ctrTitle"/>
-          </p:nvPr>
+          <p:cNvPr id="2" name="TextBox 1"/>
+          <p:cNvSpPr txBox="1"/>
+          <p:nvPr/>
         </p:nvSpPr>
-        <p:spPr/>
+        <p:spPr>
+          <a:xfrm>
+            <a:off x="643006" y="556427"/>
+            <a:ext cx="4003525" cy="656590"/>
+          </a:xfrm>
+          <a:prstGeom prst="rect">
+            <a:avLst/>
+          </a:prstGeom>
+          <a:noFill/>
+          <a:ln w="12700" cap="flat">
+            <a:noFill/>
+            <a:miter lim="400000"/>
+          </a:ln>
+          <a:effectLst/>
+        </p:spPr>
+        <p:style>
+          <a:lnRef idx="0">
+            <a:scrgbClr r="0" g="0" b="0"/>
+          </a:lnRef>
+          <a:fillRef idx="0">
+            <a:scrgbClr r="0" g="0" b="0"/>
+          </a:fillRef>
+          <a:effectRef idx="0">
+            <a:scrgbClr r="0" g="0" b="0"/>
+          </a:effectRef>
+          <a:fontRef idx="none"/>
+        </p:style>
         <p:txBody>
-          <a:bodyPr/>
+          <a:bodyPr rot="0" spcFirstLastPara="1" vertOverflow="overflow" horzOverflow="overflow" vert="horz" wrap="none" lIns="50800" tIns="50800" rIns="50800" bIns="50800" numCol="1" spcCol="38100" rtlCol="0" anchor="ctr">
+            <a:spAutoFit/>
+          </a:bodyPr>
           <a:lstStyle/>
           <a:p>
-            <a:endParaRPr lang="en-US" dirty="0"/>
+            <a:pPr marL="0" marR="0" indent="0" algn="l" defTabSz="1308100" rtl="0" fontAlgn="auto" latinLnBrk="1" hangingPunct="0">
+              <a:lnSpc>
+                <a:spcPct val="100000"/>
+              </a:lnSpc>
+              <a:spcBef>
+                <a:spcPts val="0"/>
+              </a:spcBef>
+              <a:spcAft>
+                <a:spcPts val="0"/>
+              </a:spcAft>
+              <a:buClrTx/>
+              <a:buSzTx/>
+              <a:buFontTx/>
+              <a:buNone/>
+              <a:tabLst/>
+            </a:pPr>
+            <a:r>
+              <a:rPr lang="en-US" sz="3600" dirty="0" smtClean="0">
+                <a:solidFill>
+                  <a:srgbClr val="000000"/>
+                </a:solidFill>
+              </a:rPr>
+              <a:t>IPython Notebooks</a:t>
+            </a:r>
+            <a:endParaRPr kumimoji="0" lang="en-US" sz="3600" b="0" i="0" u="none" strike="noStrike" cap="none" spc="0" normalizeH="0" baseline="0" dirty="0">
+              <a:ln>
+                <a:noFill/>
+              </a:ln>
+              <a:solidFill>
+                <a:srgbClr val="000000"/>
+              </a:solidFill>
+              <a:effectLst/>
+              <a:uFill>
+                <a:solidFill>
+                  <a:srgbClr val="FFFFFF"/>
+                </a:solidFill>
+              </a:uFill>
+              <a:sym typeface="News706BT-RomanC"/>
+            </a:endParaRPr>
           </a:p>
         </p:txBody>
       </p:sp>
       <p:sp>
         <p:nvSpPr>
-          <p:cNvPr id="3" name="Subtitle 2"/>
-          <p:cNvSpPr>
-            <a:spLocks noGrp="1"/>
-          </p:cNvSpPr>
-          <p:nvPr>
-            <p:ph type="subTitle" idx="1"/>
-          </p:nvPr>
+          <p:cNvPr id="3" name="TextBox 2"/>
+          <p:cNvSpPr txBox="1"/>
+          <p:nvPr/>
         </p:nvSpPr>
-        <p:spPr/>
+        <p:spPr>
+          <a:xfrm>
+            <a:off x="643006" y="1628909"/>
+            <a:ext cx="11059706" cy="5027017"/>
+          </a:xfrm>
+          <a:prstGeom prst="rect">
+            <a:avLst/>
+          </a:prstGeom>
+          <a:noFill/>
+          <a:ln w="12700" cap="flat">
+            <a:noFill/>
+            <a:miter lim="400000"/>
+          </a:ln>
+          <a:effectLst/>
+        </p:spPr>
+        <p:style>
+          <a:lnRef idx="0">
+            <a:scrgbClr r="0" g="0" b="0"/>
+          </a:lnRef>
+          <a:fillRef idx="0">
+            <a:scrgbClr r="0" g="0" b="0"/>
+          </a:fillRef>
+          <a:effectRef idx="0">
+            <a:scrgbClr r="0" g="0" b="0"/>
+          </a:effectRef>
+          <a:fontRef idx="none"/>
+        </p:style>
         <p:txBody>
-          <a:bodyPr/>
+          <a:bodyPr rot="0" spcFirstLastPara="1" vertOverflow="overflow" horzOverflow="overflow" vert="horz" wrap="square" lIns="50800" tIns="50800" rIns="50800" bIns="50800" numCol="1" spcCol="38100" rtlCol="0" anchor="ctr">
+            <a:spAutoFit/>
+          </a:bodyPr>
           <a:lstStyle/>
           <a:p>
-            <a:r>
-              <a:rPr lang="en-US" dirty="0" smtClean="0"/>
-              <a:t>[Pandas demo]</a:t>
-            </a:r>
-            <a:endParaRPr lang="en-US" dirty="0"/>
+            <a:pPr algn="l" rtl="0" latinLnBrk="1" hangingPunct="0"/>
+            <a:r>
+              <a:rPr lang="en-US" sz="3200" dirty="0">
+                <a:solidFill>
+                  <a:srgbClr val="000000"/>
+                </a:solidFill>
+              </a:rPr>
+              <a:t>● A feature-rich notebook for Python based on IPython</a:t>
+            </a:r>
+          </a:p>
+          <a:p>
+            <a:pPr algn="l" rtl="0" latinLnBrk="1" hangingPunct="0"/>
+            <a:r>
+              <a:rPr lang="en-US" sz="3200" dirty="0">
+                <a:solidFill>
+                  <a:srgbClr val="000000"/>
+                </a:solidFill>
+              </a:rPr>
+              <a:t>● Great for</a:t>
+            </a:r>
+          </a:p>
+          <a:p>
+            <a:pPr algn="l" rtl="0" latinLnBrk="1" hangingPunct="0"/>
+            <a:r>
+              <a:rPr lang="en-US" sz="3200" dirty="0" smtClean="0">
+                <a:solidFill>
+                  <a:srgbClr val="000000"/>
+                </a:solidFill>
+              </a:rPr>
+              <a:t>	○ </a:t>
+            </a:r>
+            <a:r>
+              <a:rPr lang="en-US" sz="3200" dirty="0">
+                <a:solidFill>
+                  <a:srgbClr val="000000"/>
+                </a:solidFill>
+              </a:rPr>
+              <a:t>prototyping</a:t>
+            </a:r>
+          </a:p>
+          <a:p>
+            <a:pPr algn="l" rtl="0" latinLnBrk="1" hangingPunct="0"/>
+            <a:r>
+              <a:rPr lang="en-US" sz="3200" dirty="0" smtClean="0">
+                <a:solidFill>
+                  <a:srgbClr val="000000"/>
+                </a:solidFill>
+              </a:rPr>
+              <a:t>	○ </a:t>
+            </a:r>
+            <a:r>
+              <a:rPr lang="en-US" sz="3200" dirty="0">
+                <a:solidFill>
+                  <a:srgbClr val="000000"/>
+                </a:solidFill>
+              </a:rPr>
+              <a:t>demonstration</a:t>
+            </a:r>
+          </a:p>
+          <a:p>
+            <a:pPr algn="l" rtl="0" latinLnBrk="1" hangingPunct="0"/>
+            <a:r>
+              <a:rPr lang="en-US" sz="3200" dirty="0" smtClean="0">
+                <a:solidFill>
+                  <a:srgbClr val="000000"/>
+                </a:solidFill>
+              </a:rPr>
+              <a:t>	○ </a:t>
+            </a:r>
+            <a:r>
+              <a:rPr lang="en-US" sz="3200" dirty="0">
+                <a:solidFill>
+                  <a:srgbClr val="000000"/>
+                </a:solidFill>
+              </a:rPr>
+              <a:t>exploratory data analysis (EDA)</a:t>
+            </a:r>
+          </a:p>
+          <a:p>
+            <a:pPr algn="l" rtl="0" latinLnBrk="1" hangingPunct="0"/>
+            <a:r>
+              <a:rPr lang="en-US" sz="3200" dirty="0">
+                <a:solidFill>
+                  <a:srgbClr val="000000"/>
+                </a:solidFill>
+              </a:rPr>
+              <a:t>● Terrible for</a:t>
+            </a:r>
+          </a:p>
+          <a:p>
+            <a:pPr algn="l" rtl="0" latinLnBrk="1" hangingPunct="0"/>
+            <a:r>
+              <a:rPr lang="en-US" sz="3200" dirty="0" smtClean="0">
+                <a:solidFill>
+                  <a:srgbClr val="000000"/>
+                </a:solidFill>
+              </a:rPr>
+              <a:t>	○ </a:t>
+            </a:r>
+            <a:r>
+              <a:rPr lang="en-US" sz="3200" dirty="0">
+                <a:solidFill>
+                  <a:srgbClr val="000000"/>
+                </a:solidFill>
+              </a:rPr>
+              <a:t>robustly engineered code</a:t>
+            </a:r>
+          </a:p>
+          <a:p>
+            <a:pPr algn="l" rtl="0" latinLnBrk="1" hangingPunct="0"/>
+            <a:r>
+              <a:rPr lang="en-US" sz="3200" dirty="0">
+                <a:solidFill>
+                  <a:srgbClr val="000000"/>
+                </a:solidFill>
+              </a:rPr>
+              <a:t>● Conclusion:</a:t>
+            </a:r>
+          </a:p>
+          <a:p>
+            <a:pPr algn="l" rtl="0" latinLnBrk="1" hangingPunct="0"/>
+            <a:r>
+              <a:rPr lang="en-US" sz="3200" dirty="0" smtClean="0">
+                <a:solidFill>
+                  <a:srgbClr val="000000"/>
+                </a:solidFill>
+              </a:rPr>
+              <a:t>	○ </a:t>
+            </a:r>
+            <a:r>
+              <a:rPr lang="en-US" sz="3200" dirty="0">
+                <a:solidFill>
+                  <a:srgbClr val="000000"/>
+                </a:solidFill>
+              </a:rPr>
+              <a:t>only use notebooks for simple exploratory tasks</a:t>
+            </a:r>
+          </a:p>
+          <a:p>
+            <a:pPr algn="l" rtl="0" latinLnBrk="1" hangingPunct="0"/>
+            <a:r>
+              <a:rPr lang="en-US" sz="3200" dirty="0" smtClean="0">
+                <a:solidFill>
+                  <a:srgbClr val="000000"/>
+                </a:solidFill>
+              </a:rPr>
+              <a:t>	○ </a:t>
+            </a:r>
+            <a:r>
+              <a:rPr lang="en-US" sz="3200" dirty="0">
+                <a:solidFill>
+                  <a:srgbClr val="000000"/>
+                </a:solidFill>
+              </a:rPr>
+              <a:t>use Sublime Text for actual development</a:t>
+            </a:r>
+            <a:endParaRPr kumimoji="0" lang="en-US" sz="3200" b="0" i="0" u="none" strike="noStrike" cap="none" spc="0" normalizeH="0" baseline="0" dirty="0">
+              <a:ln>
+                <a:noFill/>
+              </a:ln>
+              <a:solidFill>
+                <a:srgbClr val="000000"/>
+              </a:solidFill>
+              <a:effectLst/>
+              <a:uFill>
+                <a:solidFill>
+                  <a:srgbClr val="FFFFFF"/>
+                </a:solidFill>
+              </a:uFill>
+              <a:latin typeface="News706BT-RomanC"/>
+              <a:ea typeface="News706BT-RomanC"/>
+              <a:cs typeface="News706BT-RomanC"/>
+              <a:sym typeface="News706BT-RomanC"/>
+            </a:endParaRPr>
           </a:p>
         </p:txBody>
       </p:sp>
     </p:spTree>
     <p:extLst>
       <p:ext uri="{BB962C8B-B14F-4D97-AF65-F5344CB8AC3E}">
-        <p14:creationId xmlns:p14="http://schemas.microsoft.com/office/powerpoint/2010/main" val="1799761309"/>
+        <p14:creationId xmlns:p14="http://schemas.microsoft.com/office/powerpoint/2010/main" val="4130898444"/>
       </p:ext>
     </p:extLst>
   </p:cSld>
   <p:clrMapOvr>
     <a:masterClrMapping/>
   </p:clrMapOvr>
+  <p:transition xmlns:p14="http://schemas.microsoft.com/office/powerpoint/2010/main" spd="med"/>
   <p:timing>
     <p:tnLst>
       <p:par>
@@ -1740,7 +1997,7 @@
           <a:bodyPr/>
           <a:lstStyle/>
           <a:p>
-            <a:endParaRPr lang="en-US"/>
+            <a:endParaRPr lang="en-US" dirty="0"/>
           </a:p>
         </p:txBody>
       </p:sp>
@@ -1761,7 +2018,7 @@
           <a:p>
             <a:r>
               <a:rPr lang="en-US" dirty="0" smtClean="0"/>
-              <a:t>[Machine Learning]</a:t>
+              <a:t>[Pandas demo]</a:t>
             </a:r>
             <a:endParaRPr lang="en-US" dirty="0"/>
           </a:p>
@@ -1770,13 +2027,20 @@
     </p:spTree>
     <p:extLst>
       <p:ext uri="{BB962C8B-B14F-4D97-AF65-F5344CB8AC3E}">
-        <p14:creationId xmlns:p14="http://schemas.microsoft.com/office/powerpoint/2010/main" val="144349150"/>
+        <p14:creationId xmlns:p14="http://schemas.microsoft.com/office/powerpoint/2010/main" val="1799761309"/>
       </p:ext>
     </p:extLst>
   </p:cSld>
   <p:clrMapOvr>
     <a:masterClrMapping/>
   </p:clrMapOvr>
+  <p:timing>
+    <p:tnLst>
+      <p:par>
+        <p:cTn xmlns:p14="http://schemas.microsoft.com/office/powerpoint/2010/main" id="1" dur="indefinite" restart="never" nodeType="tmRoot"/>
+      </p:par>
+    </p:tnLst>
+  </p:timing>
 </p:sld>
 </file>
 
@@ -1833,6 +2097,78 @@
           <a:p>
             <a:r>
               <a:rPr lang="en-US" dirty="0" smtClean="0"/>
+              <a:t>[Machine Learning]</a:t>
+            </a:r>
+            <a:endParaRPr lang="en-US" dirty="0"/>
+          </a:p>
+        </p:txBody>
+      </p:sp>
+    </p:spTree>
+    <p:extLst>
+      <p:ext uri="{BB962C8B-B14F-4D97-AF65-F5344CB8AC3E}">
+        <p14:creationId xmlns:p14="http://schemas.microsoft.com/office/powerpoint/2010/main" val="144349150"/>
+      </p:ext>
+    </p:extLst>
+  </p:cSld>
+  <p:clrMapOvr>
+    <a:masterClrMapping/>
+  </p:clrMapOvr>
+</p:sld>
+</file>
+
+<file path=ppt/slides/slide13.xml><?xml version="1.0" encoding="utf-8"?>
+<p:sld xmlns:a="http://schemas.openxmlformats.org/drawingml/2006/main" xmlns:r="http://schemas.openxmlformats.org/officeDocument/2006/relationships" xmlns:p="http://schemas.openxmlformats.org/presentationml/2006/main">
+  <p:cSld>
+    <p:spTree>
+      <p:nvGrpSpPr>
+        <p:cNvPr id="1" name=""/>
+        <p:cNvGrpSpPr/>
+        <p:nvPr/>
+      </p:nvGrpSpPr>
+      <p:grpSpPr>
+        <a:xfrm>
+          <a:off x="0" y="0"/>
+          <a:ext cx="0" cy="0"/>
+          <a:chOff x="0" y="0"/>
+          <a:chExt cx="0" cy="0"/>
+        </a:xfrm>
+      </p:grpSpPr>
+      <p:sp>
+        <p:nvSpPr>
+          <p:cNvPr id="2" name="Title 1"/>
+          <p:cNvSpPr>
+            <a:spLocks noGrp="1"/>
+          </p:cNvSpPr>
+          <p:nvPr>
+            <p:ph type="ctrTitle"/>
+          </p:nvPr>
+        </p:nvSpPr>
+        <p:spPr/>
+        <p:txBody>
+          <a:bodyPr/>
+          <a:lstStyle/>
+          <a:p>
+            <a:endParaRPr lang="en-US"/>
+          </a:p>
+        </p:txBody>
+      </p:sp>
+      <p:sp>
+        <p:nvSpPr>
+          <p:cNvPr id="3" name="Subtitle 2"/>
+          <p:cNvSpPr>
+            <a:spLocks noGrp="1"/>
+          </p:cNvSpPr>
+          <p:nvPr>
+            <p:ph type="subTitle" idx="1"/>
+          </p:nvPr>
+        </p:nvSpPr>
+        <p:spPr/>
+        <p:txBody>
+          <a:bodyPr/>
+          <a:lstStyle/>
+          <a:p>
+            <a:r>
+              <a:rPr lang="en-US" dirty="0" smtClean="0"/>
               <a:t>[Web scraping]</a:t>
             </a:r>
             <a:endParaRPr lang="en-US" dirty="0"/>
@@ -1852,7 +2188,7 @@
 </p:sld>
 </file>
 
-<file path=ppt/slides/slide13.xml><?xml version="1.0" encoding="utf-8"?>
+<file path=ppt/slides/slide14.xml><?xml version="1.0" encoding="utf-8"?>
 <p:sld xmlns:a="http://schemas.openxmlformats.org/drawingml/2006/main" xmlns:r="http://schemas.openxmlformats.org/officeDocument/2006/relationships" xmlns:p="http://schemas.openxmlformats.org/presentationml/2006/main">
   <p:cSld>
     <p:spTree>
@@ -2339,21 +2675,8 @@
                   <a:solidFill/>
                 </a:uFill>
               </a:rPr>
-              <a:t>What is your name and what do you do</a:t>
-            </a:r>
-            <a:r>
-              <a:rPr lang="en-US" sz="2500" dirty="0" smtClean="0">
-                <a:uFill>
-                  <a:solidFill/>
-                </a:uFill>
-              </a:rPr>
-              <a:t>?</a:t>
-            </a:r>
-            <a:endParaRPr lang="en-US" sz="2500" dirty="0" smtClean="0">
-              <a:uFill>
-                <a:solidFill/>
-              </a:uFill>
-            </a:endParaRPr>
+              <a:t>What is your name and what do you do?</a:t>
+            </a:r>
           </a:p>
         </p:txBody>
       </p:sp>
@@ -2379,6 +2702,323 @@
 </file>
 
 <file path=ppt/slides/slide4.xml><?xml version="1.0" encoding="utf-8"?>
+<p:sld xmlns:a="http://schemas.openxmlformats.org/drawingml/2006/main" xmlns:r="http://schemas.openxmlformats.org/officeDocument/2006/relationships" xmlns:p="http://schemas.openxmlformats.org/presentationml/2006/main">
+  <p:cSld>
+    <p:spTree>
+      <p:nvGrpSpPr>
+        <p:cNvPr id="1" name=""/>
+        <p:cNvGrpSpPr/>
+        <p:nvPr/>
+      </p:nvGrpSpPr>
+      <p:grpSpPr>
+        <a:xfrm>
+          <a:off x="0" y="0"/>
+          <a:ext cx="0" cy="0"/>
+          <a:chOff x="0" y="0"/>
+          <a:chExt cx="0" cy="0"/>
+        </a:xfrm>
+      </p:grpSpPr>
+      <p:sp>
+        <p:nvSpPr>
+          <p:cNvPr id="2" name="TextBox 1"/>
+          <p:cNvSpPr txBox="1"/>
+          <p:nvPr/>
+        </p:nvSpPr>
+        <p:spPr>
+          <a:xfrm>
+            <a:off x="643006" y="659114"/>
+            <a:ext cx="1320874" cy="471924"/>
+          </a:xfrm>
+          <a:prstGeom prst="rect">
+            <a:avLst/>
+          </a:prstGeom>
+          <a:noFill/>
+          <a:ln w="12700" cap="flat">
+            <a:noFill/>
+            <a:miter lim="400000"/>
+          </a:ln>
+          <a:effectLst/>
+        </p:spPr>
+        <p:style>
+          <a:lnRef idx="0">
+            <a:scrgbClr r="0" g="0" b="0"/>
+          </a:lnRef>
+          <a:fillRef idx="0">
+            <a:scrgbClr r="0" g="0" b="0"/>
+          </a:fillRef>
+          <a:effectRef idx="0">
+            <a:scrgbClr r="0" g="0" b="0"/>
+          </a:effectRef>
+          <a:fontRef idx="none"/>
+        </p:style>
+        <p:txBody>
+          <a:bodyPr rot="0" spcFirstLastPara="1" vertOverflow="overflow" horzOverflow="overflow" vert="horz" wrap="none" lIns="50800" tIns="50800" rIns="50800" bIns="50800" numCol="1" spcCol="38100" rtlCol="0" anchor="ctr">
+            <a:spAutoFit/>
+          </a:bodyPr>
+          <a:lstStyle/>
+          <a:p>
+            <a:pPr marL="0" marR="0" indent="0" algn="l" defTabSz="1308100" rtl="0" fontAlgn="auto" latinLnBrk="1" hangingPunct="0">
+              <a:lnSpc>
+                <a:spcPct val="100000"/>
+              </a:lnSpc>
+              <a:spcBef>
+                <a:spcPts val="0"/>
+              </a:spcBef>
+              <a:spcAft>
+                <a:spcPts val="0"/>
+              </a:spcAft>
+              <a:buClrTx/>
+              <a:buSzTx/>
+              <a:buFontTx/>
+              <a:buNone/>
+              <a:tabLst/>
+            </a:pPr>
+            <a:r>
+              <a:rPr kumimoji="0" lang="en-US" sz="2400" b="0" i="0" u="none" strike="noStrike" cap="none" spc="0" normalizeH="0" baseline="0" dirty="0" smtClean="0">
+                <a:ln>
+                  <a:noFill/>
+                </a:ln>
+                <a:solidFill>
+                  <a:srgbClr val="000000"/>
+                </a:solidFill>
+                <a:effectLst/>
+                <a:uFill>
+                  <a:solidFill>
+                    <a:srgbClr val="FFFFFF"/>
+                  </a:solidFill>
+                </a:uFill>
+                <a:latin typeface="News706BT-RomanC"/>
+                <a:ea typeface="News706BT-RomanC"/>
+                <a:cs typeface="News706BT-RomanC"/>
+                <a:sym typeface="News706BT-RomanC"/>
+              </a:rPr>
+              <a:t>Note:</a:t>
+            </a:r>
+            <a:r>
+              <a:rPr kumimoji="0" lang="en-US" sz="2400" b="0" i="0" u="none" strike="noStrike" cap="none" spc="0" normalizeH="0" dirty="0" smtClean="0">
+                <a:ln>
+                  <a:noFill/>
+                </a:ln>
+                <a:solidFill>
+                  <a:srgbClr val="000000"/>
+                </a:solidFill>
+                <a:effectLst/>
+                <a:uFill>
+                  <a:solidFill>
+                    <a:srgbClr val="FFFFFF"/>
+                  </a:solidFill>
+                </a:uFill>
+                <a:latin typeface="News706BT-RomanC"/>
+                <a:ea typeface="News706BT-RomanC"/>
+                <a:cs typeface="News706BT-RomanC"/>
+                <a:sym typeface="News706BT-RomanC"/>
+              </a:rPr>
+              <a:t> </a:t>
+            </a:r>
+            <a:r>
+              <a:rPr kumimoji="0" lang="en-US" sz="2400" b="0" i="0" u="none" strike="noStrike" cap="none" spc="0" normalizeH="0" baseline="0" dirty="0" err="1" smtClean="0">
+                <a:ln>
+                  <a:noFill/>
+                </a:ln>
+                <a:solidFill>
+                  <a:srgbClr val="000000"/>
+                </a:solidFill>
+                <a:effectLst/>
+                <a:uFill>
+                  <a:solidFill>
+                    <a:srgbClr val="FFFFFF"/>
+                  </a:solidFill>
+                </a:uFill>
+                <a:latin typeface="News706BT-RomanC"/>
+                <a:ea typeface="News706BT-RomanC"/>
+                <a:cs typeface="News706BT-RomanC"/>
+                <a:sym typeface="News706BT-RomanC"/>
+              </a:rPr>
+              <a:t>Git</a:t>
+            </a:r>
+            <a:endParaRPr kumimoji="0" lang="en-US" sz="2400" b="0" i="0" u="none" strike="noStrike" cap="none" spc="0" normalizeH="0" baseline="0" dirty="0">
+              <a:ln>
+                <a:noFill/>
+              </a:ln>
+              <a:solidFill>
+                <a:srgbClr val="000000"/>
+              </a:solidFill>
+              <a:effectLst/>
+              <a:uFill>
+                <a:solidFill>
+                  <a:srgbClr val="FFFFFF"/>
+                </a:solidFill>
+              </a:uFill>
+              <a:latin typeface="News706BT-RomanC"/>
+              <a:ea typeface="News706BT-RomanC"/>
+              <a:cs typeface="News706BT-RomanC"/>
+              <a:sym typeface="News706BT-RomanC"/>
+            </a:endParaRPr>
+          </a:p>
+        </p:txBody>
+      </p:sp>
+      <p:sp>
+        <p:nvSpPr>
+          <p:cNvPr id="3" name="TextBox 2"/>
+          <p:cNvSpPr txBox="1"/>
+          <p:nvPr/>
+        </p:nvSpPr>
+        <p:spPr>
+          <a:xfrm>
+            <a:off x="851983" y="2453035"/>
+            <a:ext cx="7732686" cy="3057247"/>
+          </a:xfrm>
+          <a:prstGeom prst="rect">
+            <a:avLst/>
+          </a:prstGeom>
+          <a:noFill/>
+          <a:ln w="12700" cap="flat">
+            <a:noFill/>
+            <a:miter lim="400000"/>
+          </a:ln>
+          <a:effectLst/>
+        </p:spPr>
+        <p:style>
+          <a:lnRef idx="0">
+            <a:scrgbClr r="0" g="0" b="0"/>
+          </a:lnRef>
+          <a:fillRef idx="0">
+            <a:scrgbClr r="0" g="0" b="0"/>
+          </a:fillRef>
+          <a:effectRef idx="0">
+            <a:scrgbClr r="0" g="0" b="0"/>
+          </a:effectRef>
+          <a:fontRef idx="none"/>
+        </p:style>
+        <p:txBody>
+          <a:bodyPr rot="0" spcFirstLastPara="1" vertOverflow="overflow" horzOverflow="overflow" vert="horz" wrap="none" lIns="50800" tIns="50800" rIns="50800" bIns="50800" numCol="1" spcCol="38100" rtlCol="0" anchor="ctr">
+            <a:spAutoFit/>
+          </a:bodyPr>
+          <a:lstStyle/>
+          <a:p>
+            <a:pPr algn="l" rtl="0" latinLnBrk="1" hangingPunct="0"/>
+            <a:endParaRPr lang="en-US" dirty="0" smtClean="0"/>
+          </a:p>
+          <a:p>
+            <a:pPr algn="l" rtl="0" latinLnBrk="1" hangingPunct="0"/>
+            <a:r>
+              <a:rPr lang="en-US" dirty="0" smtClean="0"/>
+              <a:t>[fork on </a:t>
+            </a:r>
+            <a:r>
+              <a:rPr lang="en-US" dirty="0" err="1" smtClean="0"/>
+              <a:t>github</a:t>
+            </a:r>
+            <a:r>
+              <a:rPr lang="en-US" dirty="0" smtClean="0"/>
+              <a:t>]</a:t>
+            </a:r>
+          </a:p>
+          <a:p>
+            <a:pPr algn="l" rtl="0" latinLnBrk="1" hangingPunct="0"/>
+            <a:endParaRPr lang="en-US" dirty="0" smtClean="0"/>
+          </a:p>
+          <a:p>
+            <a:pPr algn="l" rtl="0" latinLnBrk="1" hangingPunct="0"/>
+            <a:r>
+              <a:rPr lang="en-US" dirty="0" err="1" smtClean="0"/>
+              <a:t>scott</a:t>
+            </a:r>
+            <a:r>
+              <a:rPr lang="en-US" dirty="0"/>
+              <a:t>$ </a:t>
+            </a:r>
+            <a:r>
+              <a:rPr lang="en-US" dirty="0" err="1"/>
+              <a:t>git</a:t>
+            </a:r>
+            <a:r>
+              <a:rPr lang="en-US" dirty="0"/>
+              <a:t> clone </a:t>
+            </a:r>
+            <a:r>
+              <a:rPr lang="en-US" dirty="0">
+                <a:hlinkClick r:id="rId2"/>
+              </a:rPr>
+              <a:t>https://github.com/scottlittle</a:t>
+            </a:r>
+            <a:r>
+              <a:rPr lang="en-US" dirty="0" smtClean="0">
+                <a:hlinkClick r:id="rId2"/>
+              </a:rPr>
+              <a:t>/intro2python</a:t>
+            </a:r>
+            <a:endParaRPr lang="en-US" dirty="0" smtClean="0"/>
+          </a:p>
+          <a:p>
+            <a:pPr algn="l" rtl="0" latinLnBrk="1" hangingPunct="0"/>
+            <a:endParaRPr lang="en-US" dirty="0" smtClean="0"/>
+          </a:p>
+          <a:p>
+            <a:pPr algn="l" rtl="0" latinLnBrk="1" hangingPunct="0"/>
+            <a:r>
+              <a:rPr lang="en-US" dirty="0" err="1" smtClean="0"/>
+              <a:t>scott</a:t>
+            </a:r>
+            <a:r>
+              <a:rPr lang="en-US" dirty="0"/>
+              <a:t>$ cd </a:t>
+            </a:r>
+            <a:r>
+              <a:rPr lang="en-US" dirty="0" smtClean="0"/>
+              <a:t>intro2python/</a:t>
+            </a:r>
+            <a:endParaRPr lang="en-US" dirty="0" smtClean="0"/>
+          </a:p>
+          <a:p>
+            <a:pPr algn="l" rtl="0" latinLnBrk="1" hangingPunct="0"/>
+            <a:endParaRPr lang="en-US" dirty="0" smtClean="0"/>
+          </a:p>
+          <a:p>
+            <a:pPr algn="l" rtl="0" latinLnBrk="1" hangingPunct="0"/>
+            <a:endParaRPr kumimoji="0" lang="en-US" sz="2400" b="0" i="0" u="none" strike="noStrike" cap="none" spc="0" normalizeH="0" baseline="0" dirty="0">
+              <a:ln>
+                <a:noFill/>
+              </a:ln>
+              <a:solidFill>
+                <a:srgbClr val="000000"/>
+              </a:solidFill>
+              <a:effectLst/>
+              <a:uFill>
+                <a:solidFill>
+                  <a:srgbClr val="FFFFFF"/>
+                </a:solidFill>
+              </a:uFill>
+              <a:latin typeface="News706BT-RomanC"/>
+              <a:ea typeface="News706BT-RomanC"/>
+              <a:cs typeface="News706BT-RomanC"/>
+              <a:sym typeface="News706BT-RomanC"/>
+            </a:endParaRPr>
+          </a:p>
+        </p:txBody>
+      </p:sp>
+    </p:spTree>
+    <p:extLst>
+      <p:ext uri="{BB962C8B-B14F-4D97-AF65-F5344CB8AC3E}">
+        <p14:creationId xmlns:p14="http://schemas.microsoft.com/office/powerpoint/2010/main" val="1272931153"/>
+      </p:ext>
+    </p:extLst>
+  </p:cSld>
+  <p:clrMapOvr>
+    <a:masterClrMapping/>
+  </p:clrMapOvr>
+  <p:transition xmlns:p14="http://schemas.microsoft.com/office/powerpoint/2010/main" spd="med"/>
+  <p:timing>
+    <p:tnLst>
+      <p:par>
+        <p:cTn xmlns:p14="http://schemas.microsoft.com/office/powerpoint/2010/main" id="1" dur="indefinite" restart="never" nodeType="tmRoot"/>
+      </p:par>
+    </p:tnLst>
+  </p:timing>
+</p:sld>
+</file>
+
+<file path=ppt/slides/slide5.xml><?xml version="1.0" encoding="utf-8"?>
 <p:sld xmlns:a="http://schemas.openxmlformats.org/drawingml/2006/main" xmlns:r="http://schemas.openxmlformats.org/officeDocument/2006/relationships" xmlns:p="http://schemas.openxmlformats.org/presentationml/2006/main">
   <p:cSld>
     <p:spTree>
@@ -2500,8 +3140,8 @@
         </p:nvSpPr>
         <p:spPr>
           <a:xfrm>
-            <a:off x="851982" y="2053889"/>
-            <a:ext cx="10625677" cy="3180358"/>
+            <a:off x="851982" y="1931213"/>
+            <a:ext cx="10625677" cy="5027017"/>
           </a:xfrm>
           <a:prstGeom prst="rect">
             <a:avLst/>
@@ -2643,6 +3283,104 @@
               </a:rPr>
               <a:t>Practicing</a:t>
             </a:r>
+          </a:p>
+          <a:p>
+            <a:pPr marL="342900" marR="0" indent="-342900" algn="l" defTabSz="1308100" rtl="0" fontAlgn="auto" latinLnBrk="1" hangingPunct="0">
+              <a:lnSpc>
+                <a:spcPct val="100000"/>
+              </a:lnSpc>
+              <a:spcBef>
+                <a:spcPts val="0"/>
+              </a:spcBef>
+              <a:spcAft>
+                <a:spcPts val="0"/>
+              </a:spcAft>
+              <a:buClrTx/>
+              <a:buSzTx/>
+              <a:buFont typeface="Arial"/>
+              <a:buChar char="•"/>
+              <a:tabLst/>
+            </a:pPr>
+            <a:r>
+              <a:rPr lang="en-US" sz="4000" dirty="0" err="1" smtClean="0">
+                <a:solidFill>
+                  <a:srgbClr val="000000"/>
+                </a:solidFill>
+              </a:rPr>
+              <a:t>Pygame</a:t>
+            </a:r>
+            <a:endParaRPr lang="en-US" sz="4000" dirty="0" smtClean="0">
+              <a:solidFill>
+                <a:srgbClr val="000000"/>
+              </a:solidFill>
+            </a:endParaRPr>
+          </a:p>
+          <a:p>
+            <a:pPr marL="342900" marR="0" indent="-342900" algn="l" defTabSz="1308100" rtl="0" fontAlgn="auto" latinLnBrk="1" hangingPunct="0">
+              <a:lnSpc>
+                <a:spcPct val="100000"/>
+              </a:lnSpc>
+              <a:spcBef>
+                <a:spcPts val="0"/>
+              </a:spcBef>
+              <a:spcAft>
+                <a:spcPts val="0"/>
+              </a:spcAft>
+              <a:buClrTx/>
+              <a:buSzTx/>
+              <a:buFont typeface="Arial"/>
+              <a:buChar char="•"/>
+              <a:tabLst/>
+            </a:pPr>
+            <a:r>
+              <a:rPr kumimoji="0" lang="en-US" sz="4000" b="0" i="0" u="none" strike="noStrike" cap="none" spc="0" normalizeH="0" baseline="0" dirty="0" err="1" smtClean="0">
+                <a:ln>
+                  <a:noFill/>
+                </a:ln>
+                <a:solidFill>
+                  <a:srgbClr val="000000"/>
+                </a:solidFill>
+                <a:effectLst/>
+                <a:uFill>
+                  <a:solidFill>
+                    <a:srgbClr val="FFFFFF"/>
+                  </a:solidFill>
+                </a:uFill>
+                <a:sym typeface="News706BT-RomanC"/>
+              </a:rPr>
+              <a:t>Webapp</a:t>
+            </a:r>
+            <a:endParaRPr kumimoji="0" lang="en-US" sz="4000" b="0" i="0" u="none" strike="noStrike" cap="none" spc="0" normalizeH="0" baseline="0" dirty="0" smtClean="0">
+              <a:ln>
+                <a:noFill/>
+              </a:ln>
+              <a:solidFill>
+                <a:srgbClr val="000000"/>
+              </a:solidFill>
+              <a:effectLst/>
+              <a:uFill>
+                <a:solidFill>
+                  <a:srgbClr val="FFFFFF"/>
+                </a:solidFill>
+              </a:uFill>
+              <a:sym typeface="News706BT-RomanC"/>
+            </a:endParaRPr>
+          </a:p>
+          <a:p>
+            <a:pPr marR="0" algn="l" defTabSz="1308100" rtl="0" fontAlgn="auto" latinLnBrk="1" hangingPunct="0">
+              <a:lnSpc>
+                <a:spcPct val="100000"/>
+              </a:lnSpc>
+              <a:spcBef>
+                <a:spcPts val="0"/>
+              </a:spcBef>
+              <a:spcAft>
+                <a:spcPts val="0"/>
+              </a:spcAft>
+              <a:buClrTx/>
+              <a:buSzTx/>
+              <a:tabLst/>
+            </a:pPr>
             <a:endParaRPr kumimoji="0" lang="en-US" sz="4000" b="0" i="0" u="none" strike="noStrike" cap="none" spc="0" normalizeH="0" baseline="0" dirty="0" smtClean="0">
               <a:ln>
                 <a:noFill/>
@@ -2686,317 +3424,6 @@
     <p:extLst>
       <p:ext uri="{BB962C8B-B14F-4D97-AF65-F5344CB8AC3E}">
         <p14:creationId xmlns:p14="http://schemas.microsoft.com/office/powerpoint/2010/main" val="4256721147"/>
-      </p:ext>
-    </p:extLst>
-  </p:cSld>
-  <p:clrMapOvr>
-    <a:masterClrMapping/>
-  </p:clrMapOvr>
-  <p:transition xmlns:p14="http://schemas.microsoft.com/office/powerpoint/2010/main" spd="med"/>
-</p:sld>
-</file>
-
-<file path=ppt/slides/slide5.xml><?xml version="1.0" encoding="utf-8"?>
-<p:sld xmlns:a="http://schemas.openxmlformats.org/drawingml/2006/main" xmlns:r="http://schemas.openxmlformats.org/officeDocument/2006/relationships" xmlns:p="http://schemas.openxmlformats.org/presentationml/2006/main">
-  <p:cSld>
-    <p:spTree>
-      <p:nvGrpSpPr>
-        <p:cNvPr id="1" name=""/>
-        <p:cNvGrpSpPr/>
-        <p:nvPr/>
-      </p:nvGrpSpPr>
-      <p:grpSpPr>
-        <a:xfrm>
-          <a:off x="0" y="0"/>
-          <a:ext cx="0" cy="0"/>
-          <a:chOff x="0" y="0"/>
-          <a:chExt cx="0" cy="0"/>
-        </a:xfrm>
-      </p:grpSpPr>
-      <p:sp>
-        <p:nvSpPr>
-          <p:cNvPr id="3" name="TextBox 2"/>
-          <p:cNvSpPr txBox="1"/>
-          <p:nvPr/>
-        </p:nvSpPr>
-        <p:spPr>
-          <a:xfrm>
-            <a:off x="793893" y="1343313"/>
-            <a:ext cx="11734862" cy="5888791"/>
-          </a:xfrm>
-          <a:prstGeom prst="rect">
-            <a:avLst/>
-          </a:prstGeom>
-          <a:noFill/>
-          <a:ln w="12700" cap="flat">
-            <a:noFill/>
-            <a:miter lim="400000"/>
-          </a:ln>
-          <a:effectLst/>
-        </p:spPr>
-        <p:style>
-          <a:lnRef idx="0">
-            <a:scrgbClr r="0" g="0" b="0"/>
-          </a:lnRef>
-          <a:fillRef idx="0">
-            <a:scrgbClr r="0" g="0" b="0"/>
-          </a:fillRef>
-          <a:effectRef idx="0">
-            <a:scrgbClr r="0" g="0" b="0"/>
-          </a:effectRef>
-          <a:fontRef idx="none"/>
-        </p:style>
-        <p:txBody>
-          <a:bodyPr rot="0" spcFirstLastPara="1" vertOverflow="overflow" horzOverflow="overflow" vert="horz" wrap="square" lIns="50800" tIns="50800" rIns="50800" bIns="50800" numCol="1" spcCol="38100" rtlCol="0" anchor="ctr">
-            <a:spAutoFit/>
-          </a:bodyPr>
-          <a:lstStyle/>
-          <a:p>
-            <a:r>
-              <a:rPr lang="en-US" dirty="0"/>
-              <a:t>In [</a:t>
-            </a:r>
-            <a:r>
-              <a:rPr lang="en-US" b="1" dirty="0"/>
-              <a:t>48</a:t>
-            </a:r>
-            <a:r>
-              <a:rPr lang="en-US" dirty="0"/>
-              <a:t>]: ?map</a:t>
-            </a:r>
-          </a:p>
-          <a:p>
-            <a:r>
-              <a:rPr lang="hu-HU" dirty="0"/>
-              <a:t>Docstring:</a:t>
-            </a:r>
-          </a:p>
-          <a:p>
-            <a:r>
-              <a:rPr lang="en-US" dirty="0"/>
-              <a:t>map(function, sequence[, sequence, ...]) -&gt; list</a:t>
-            </a:r>
-          </a:p>
-          <a:p>
-            <a:endParaRPr lang="en-US" dirty="0"/>
-          </a:p>
-          <a:p>
-            <a:r>
-              <a:rPr lang="en-US" dirty="0"/>
-              <a:t>Return a list of the results of applying the function to the items of</a:t>
-            </a:r>
-          </a:p>
-          <a:p>
-            <a:r>
-              <a:rPr lang="en-US" dirty="0"/>
-              <a:t>the argument sequence(s).  If more than one sequence is given, the</a:t>
-            </a:r>
-          </a:p>
-          <a:p>
-            <a:r>
-              <a:rPr lang="en-US" dirty="0"/>
-              <a:t>function is called with an argument list consisting of the corresponding</a:t>
-            </a:r>
-          </a:p>
-          <a:p>
-            <a:r>
-              <a:rPr lang="en-US" dirty="0"/>
-              <a:t>item of each sequence, substituting None for missing values when not all</a:t>
-            </a:r>
-          </a:p>
-          <a:p>
-            <a:r>
-              <a:rPr lang="en-US" dirty="0"/>
-              <a:t>sequences have the same length.  If the function is None, return a list of</a:t>
-            </a:r>
-          </a:p>
-          <a:p>
-            <a:r>
-              <a:rPr lang="en-US" dirty="0"/>
-              <a:t>the items of the sequence (or a list of tuples if more than one sequence).</a:t>
-            </a:r>
-          </a:p>
-          <a:p>
-            <a:r>
-              <a:rPr lang="en-US" dirty="0"/>
-              <a:t>Type:      </a:t>
-            </a:r>
-            <a:r>
-              <a:rPr lang="en-US" dirty="0" err="1"/>
-              <a:t>builtin_function_or_method</a:t>
-            </a:r>
-            <a:endParaRPr lang="en-US" dirty="0"/>
-          </a:p>
-          <a:p>
-            <a:endParaRPr lang="en-US" dirty="0"/>
-          </a:p>
-          <a:p>
-            <a:r>
-              <a:rPr lang="en-US" dirty="0"/>
-              <a:t>In [</a:t>
-            </a:r>
-            <a:r>
-              <a:rPr lang="en-US" b="1" dirty="0"/>
-              <a:t>49</a:t>
-            </a:r>
-            <a:r>
-              <a:rPr lang="en-US" dirty="0"/>
-              <a:t>]: map?</a:t>
-            </a:r>
-          </a:p>
-          <a:p>
-            <a:r>
-              <a:rPr lang="hu-HU" dirty="0"/>
-              <a:t>Docstring:</a:t>
-            </a:r>
-          </a:p>
-          <a:p>
-            <a:r>
-              <a:rPr lang="en-US" dirty="0"/>
-              <a:t>map(function, sequence[, sequence, ...]) -&gt; </a:t>
-            </a:r>
-            <a:r>
-              <a:rPr lang="en-US" dirty="0" smtClean="0"/>
-              <a:t>list …</a:t>
-            </a:r>
-            <a:endParaRPr lang="en-US" dirty="0"/>
-          </a:p>
-          <a:p>
-            <a:pPr marL="0" marR="0" indent="0" algn="l" defTabSz="1308100" rtl="0" fontAlgn="auto" latinLnBrk="1" hangingPunct="0">
-              <a:lnSpc>
-                <a:spcPct val="100000"/>
-              </a:lnSpc>
-              <a:spcBef>
-                <a:spcPts val="0"/>
-              </a:spcBef>
-              <a:spcAft>
-                <a:spcPts val="0"/>
-              </a:spcAft>
-              <a:buClrTx/>
-              <a:buSzTx/>
-              <a:buFontTx/>
-              <a:buNone/>
-              <a:tabLst/>
-            </a:pPr>
-            <a:endParaRPr kumimoji="0" lang="en-US" sz="1600" b="0" i="0" u="none" strike="noStrike" cap="none" spc="0" normalizeH="0" baseline="0" dirty="0">
-              <a:ln>
-                <a:noFill/>
-              </a:ln>
-              <a:solidFill>
-                <a:srgbClr val="000000"/>
-              </a:solidFill>
-              <a:effectLst/>
-              <a:uFill>
-                <a:solidFill>
-                  <a:srgbClr val="FFFFFF"/>
-                </a:solidFill>
-              </a:uFill>
-              <a:sym typeface="News706BT-RomanC"/>
-            </a:endParaRPr>
-          </a:p>
-        </p:txBody>
-      </p:sp>
-      <p:sp>
-        <p:nvSpPr>
-          <p:cNvPr id="4" name="TextBox 3"/>
-          <p:cNvSpPr txBox="1"/>
-          <p:nvPr/>
-        </p:nvSpPr>
-        <p:spPr>
-          <a:xfrm>
-            <a:off x="617068" y="504897"/>
-            <a:ext cx="1842101" cy="718145"/>
-          </a:xfrm>
-          <a:prstGeom prst="rect">
-            <a:avLst/>
-          </a:prstGeom>
-          <a:noFill/>
-          <a:ln w="12700" cap="flat">
-            <a:noFill/>
-            <a:miter lim="400000"/>
-          </a:ln>
-          <a:effectLst/>
-        </p:spPr>
-        <p:style>
-          <a:lnRef idx="0">
-            <a:scrgbClr r="0" g="0" b="0"/>
-          </a:lnRef>
-          <a:fillRef idx="0">
-            <a:scrgbClr r="0" g="0" b="0"/>
-          </a:fillRef>
-          <a:effectRef idx="0">
-            <a:scrgbClr r="0" g="0" b="0"/>
-          </a:effectRef>
-          <a:fontRef idx="none"/>
-        </p:style>
-        <p:txBody>
-          <a:bodyPr rot="0" spcFirstLastPara="1" vertOverflow="overflow" horzOverflow="overflow" vert="horz" wrap="none" lIns="50800" tIns="50800" rIns="50800" bIns="50800" numCol="1" spcCol="38100" rtlCol="0" anchor="ctr">
-            <a:spAutoFit/>
-          </a:bodyPr>
-          <a:lstStyle/>
-          <a:p>
-            <a:pPr marL="0" marR="0" indent="0" algn="l" defTabSz="1308100" rtl="0" fontAlgn="auto" latinLnBrk="1" hangingPunct="0">
-              <a:lnSpc>
-                <a:spcPct val="100000"/>
-              </a:lnSpc>
-              <a:spcBef>
-                <a:spcPts val="0"/>
-              </a:spcBef>
-              <a:spcAft>
-                <a:spcPts val="0"/>
-              </a:spcAft>
-              <a:buClrTx/>
-              <a:buSzTx/>
-              <a:buFontTx/>
-              <a:buNone/>
-              <a:tabLst/>
-            </a:pPr>
-            <a:r>
-              <a:rPr kumimoji="0" lang="en-US" sz="4000" b="0" i="0" u="none" strike="noStrike" cap="none" spc="0" normalizeH="0" baseline="0" dirty="0" smtClean="0">
-                <a:ln>
-                  <a:noFill/>
-                </a:ln>
-                <a:solidFill>
-                  <a:srgbClr val="000000"/>
-                </a:solidFill>
-                <a:effectLst/>
-                <a:uFill>
-                  <a:solidFill>
-                    <a:srgbClr val="FFFFFF"/>
-                  </a:solidFill>
-                </a:uFill>
-                <a:latin typeface="News706BT-RomanC"/>
-                <a:ea typeface="News706BT-RomanC"/>
-                <a:cs typeface="News706BT-RomanC"/>
-                <a:sym typeface="News706BT-RomanC"/>
-              </a:rPr>
-              <a:t>IPython</a:t>
-            </a:r>
-            <a:endParaRPr kumimoji="0" lang="en-US" sz="2400" b="0" i="0" u="none" strike="noStrike" cap="none" spc="0" normalizeH="0" baseline="0" dirty="0" smtClean="0">
-              <a:ln>
-                <a:noFill/>
-              </a:ln>
-              <a:solidFill>
-                <a:srgbClr val="000000"/>
-              </a:solidFill>
-              <a:effectLst/>
-              <a:uFill>
-                <a:solidFill>
-                  <a:srgbClr val="FFFFFF"/>
-                </a:solidFill>
-              </a:uFill>
-              <a:latin typeface="News706BT-RomanC"/>
-              <a:ea typeface="News706BT-RomanC"/>
-              <a:cs typeface="News706BT-RomanC"/>
-              <a:sym typeface="News706BT-RomanC"/>
-            </a:endParaRPr>
-          </a:p>
-        </p:txBody>
-      </p:sp>
-    </p:spTree>
-    <p:extLst>
-      <p:ext uri="{BB962C8B-B14F-4D97-AF65-F5344CB8AC3E}">
-        <p14:creationId xmlns:p14="http://schemas.microsoft.com/office/powerpoint/2010/main" val="2568584083"/>
       </p:ext>
     </p:extLst>
   </p:cSld>
@@ -3026,82 +3453,292 @@
       </p:grpSpPr>
       <p:sp>
         <p:nvSpPr>
-          <p:cNvPr id="2" name="Rectangle 1"/>
-          <p:cNvSpPr/>
+          <p:cNvPr id="2" name="TextBox 1"/>
+          <p:cNvSpPr txBox="1"/>
           <p:nvPr/>
         </p:nvSpPr>
         <p:spPr>
           <a:xfrm>
-            <a:off x="651419" y="558899"/>
-            <a:ext cx="5163117" cy="646331"/>
+            <a:off x="717792" y="661320"/>
+            <a:ext cx="2018682" cy="471924"/>
           </a:xfrm>
           <a:prstGeom prst="rect">
             <a:avLst/>
           </a:prstGeom>
+          <a:noFill/>
+          <a:ln w="12700" cap="flat">
+            <a:noFill/>
+            <a:miter lim="400000"/>
+          </a:ln>
+          <a:effectLst/>
         </p:spPr>
+        <p:style>
+          <a:lnRef idx="0">
+            <a:scrgbClr r="0" g="0" b="0"/>
+          </a:lnRef>
+          <a:fillRef idx="0">
+            <a:scrgbClr r="0" g="0" b="0"/>
+          </a:fillRef>
+          <a:effectRef idx="0">
+            <a:scrgbClr r="0" g="0" b="0"/>
+          </a:effectRef>
+          <a:fontRef idx="none"/>
+        </p:style>
         <p:txBody>
-          <a:bodyPr wrap="none">
+          <a:bodyPr rot="0" spcFirstLastPara="1" vertOverflow="overflow" horzOverflow="overflow" vert="horz" wrap="none" lIns="50800" tIns="50800" rIns="50800" bIns="50800" numCol="1" spcCol="38100" rtlCol="0" anchor="ctr">
             <a:spAutoFit/>
           </a:bodyPr>
           <a:lstStyle/>
           <a:p>
-            <a:r>
-              <a:rPr lang="en-US" sz="3600" dirty="0"/>
-              <a:t>IPython - tab completion</a:t>
+            <a:pPr marL="0" marR="0" indent="0" algn="l" defTabSz="1308100" rtl="0" fontAlgn="auto" latinLnBrk="1" hangingPunct="0">
+              <a:lnSpc>
+                <a:spcPct val="100000"/>
+              </a:lnSpc>
+              <a:spcBef>
+                <a:spcPts val="0"/>
+              </a:spcBef>
+              <a:spcAft>
+                <a:spcPts val="0"/>
+              </a:spcAft>
+              <a:buClrTx/>
+              <a:buSzTx/>
+              <a:buFontTx/>
+              <a:buNone/>
+              <a:tabLst/>
+            </a:pPr>
+            <a:r>
+              <a:rPr kumimoji="0" lang="en-US" sz="2400" b="0" i="0" u="none" strike="noStrike" cap="none" spc="0" normalizeH="0" baseline="0" dirty="0" smtClean="0">
+                <a:ln>
+                  <a:noFill/>
+                </a:ln>
+                <a:solidFill>
+                  <a:srgbClr val="000000"/>
+                </a:solidFill>
+                <a:effectLst/>
+                <a:uFill>
+                  <a:solidFill>
+                    <a:srgbClr val="FFFFFF"/>
+                  </a:solidFill>
+                </a:uFill>
+                <a:latin typeface="News706BT-RomanC"/>
+                <a:ea typeface="News706BT-RomanC"/>
+                <a:cs typeface="News706BT-RomanC"/>
+                <a:sym typeface="News706BT-RomanC"/>
+              </a:rPr>
+              <a:t>Python basics</a:t>
             </a:r>
           </a:p>
         </p:txBody>
       </p:sp>
       <p:sp>
         <p:nvSpPr>
-          <p:cNvPr id="3" name="Rectangle 2"/>
-          <p:cNvSpPr/>
+          <p:cNvPr id="4" name="TextBox 3"/>
+          <p:cNvSpPr txBox="1"/>
           <p:nvPr/>
         </p:nvSpPr>
         <p:spPr>
           <a:xfrm>
-            <a:off x="651419" y="1612081"/>
-            <a:ext cx="6502400" cy="830997"/>
+            <a:off x="828220" y="1924951"/>
+            <a:ext cx="9869639" cy="2564805"/>
           </a:xfrm>
           <a:prstGeom prst="rect">
             <a:avLst/>
           </a:prstGeom>
+          <a:noFill/>
+          <a:ln w="12700" cap="flat">
+            <a:noFill/>
+            <a:miter lim="400000"/>
+          </a:ln>
+          <a:effectLst/>
         </p:spPr>
+        <p:style>
+          <a:lnRef idx="0">
+            <a:scrgbClr r="0" g="0" b="0"/>
+          </a:lnRef>
+          <a:fillRef idx="0">
+            <a:scrgbClr r="0" g="0" b="0"/>
+          </a:fillRef>
+          <a:effectRef idx="0">
+            <a:scrgbClr r="0" g="0" b="0"/>
+          </a:effectRef>
+          <a:fontRef idx="none"/>
+        </p:style>
         <p:txBody>
-          <a:bodyPr>
+          <a:bodyPr rot="0" spcFirstLastPara="1" vertOverflow="overflow" horzOverflow="overflow" vert="horz" wrap="square" lIns="50800" tIns="50800" rIns="50800" bIns="50800" numCol="1" spcCol="38100" rtlCol="0" anchor="ctr">
             <a:spAutoFit/>
           </a:bodyPr>
           <a:lstStyle/>
           <a:p>
-            <a:r>
-              <a:rPr lang="en-US" dirty="0" smtClean="0"/>
-              <a:t>In </a:t>
-            </a:r>
-            <a:r>
-              <a:rPr lang="en-US" dirty="0"/>
-              <a:t>[8]: ma #Press tab...</a:t>
-            </a:r>
-          </a:p>
-          <a:p>
-            <a:r>
-              <a:rPr lang="en-US" dirty="0"/>
-              <a:t>%macro %magic %man %</a:t>
-            </a:r>
-            <a:r>
-              <a:rPr lang="en-US" dirty="0" err="1"/>
-              <a:t>matplotlib</a:t>
-            </a:r>
-            <a:r>
-              <a:rPr lang="en-US" dirty="0"/>
-              <a:t> map max</a:t>
-            </a:r>
+            <a:pPr marL="342900" marR="0" indent="-342900" algn="l" defTabSz="1308100" rtl="0" fontAlgn="auto" latinLnBrk="1" hangingPunct="0">
+              <a:lnSpc>
+                <a:spcPct val="100000"/>
+              </a:lnSpc>
+              <a:spcBef>
+                <a:spcPts val="0"/>
+              </a:spcBef>
+              <a:spcAft>
+                <a:spcPts val="0"/>
+              </a:spcAft>
+              <a:buClrTx/>
+              <a:buSzTx/>
+              <a:buFontTx/>
+              <a:buChar char="-"/>
+              <a:tabLst/>
+            </a:pPr>
+            <a:r>
+              <a:rPr lang="en-US" sz="3200" dirty="0" smtClean="0">
+                <a:solidFill>
+                  <a:srgbClr val="000000"/>
+                </a:solidFill>
+              </a:rPr>
+              <a:t>Indentation</a:t>
+            </a:r>
+          </a:p>
+          <a:p>
+            <a:pPr marL="342900" marR="0" indent="-342900" algn="l" defTabSz="1308100" rtl="0" fontAlgn="auto" latinLnBrk="1" hangingPunct="0">
+              <a:lnSpc>
+                <a:spcPct val="100000"/>
+              </a:lnSpc>
+              <a:spcBef>
+                <a:spcPts val="0"/>
+              </a:spcBef>
+              <a:spcAft>
+                <a:spcPts val="0"/>
+              </a:spcAft>
+              <a:buClrTx/>
+              <a:buSzTx/>
+              <a:buFontTx/>
+              <a:buChar char="-"/>
+              <a:tabLst/>
+            </a:pPr>
+            <a:r>
+              <a:rPr lang="en-US" sz="3200" dirty="0" smtClean="0">
+                <a:solidFill>
+                  <a:srgbClr val="000000"/>
+                </a:solidFill>
+              </a:rPr>
+              <a:t>Lists</a:t>
+            </a:r>
+          </a:p>
+          <a:p>
+            <a:pPr marL="342900" marR="0" indent="-342900" algn="l" defTabSz="1308100" rtl="0" fontAlgn="auto" latinLnBrk="1" hangingPunct="0">
+              <a:lnSpc>
+                <a:spcPct val="100000"/>
+              </a:lnSpc>
+              <a:spcBef>
+                <a:spcPts val="0"/>
+              </a:spcBef>
+              <a:spcAft>
+                <a:spcPts val="0"/>
+              </a:spcAft>
+              <a:buClrTx/>
+              <a:buSzTx/>
+              <a:buFontTx/>
+              <a:buChar char="-"/>
+              <a:tabLst/>
+            </a:pPr>
+            <a:r>
+              <a:rPr kumimoji="0" lang="en-US" sz="3200" b="0" i="0" u="none" strike="noStrike" cap="none" spc="0" normalizeH="0" baseline="0" dirty="0" smtClean="0">
+                <a:ln>
+                  <a:noFill/>
+                </a:ln>
+                <a:solidFill>
+                  <a:srgbClr val="000000"/>
+                </a:solidFill>
+                <a:effectLst/>
+                <a:uFill>
+                  <a:solidFill>
+                    <a:srgbClr val="FFFFFF"/>
+                  </a:solidFill>
+                </a:uFill>
+                <a:sym typeface="News706BT-RomanC"/>
+              </a:rPr>
+              <a:t>For loops</a:t>
+            </a:r>
+          </a:p>
+          <a:p>
+            <a:pPr marL="342900" marR="0" indent="-342900" algn="l" defTabSz="1308100" rtl="0" fontAlgn="auto" latinLnBrk="1" hangingPunct="0">
+              <a:lnSpc>
+                <a:spcPct val="100000"/>
+              </a:lnSpc>
+              <a:spcBef>
+                <a:spcPts val="0"/>
+              </a:spcBef>
+              <a:spcAft>
+                <a:spcPts val="0"/>
+              </a:spcAft>
+              <a:buClrTx/>
+              <a:buSzTx/>
+              <a:buFontTx/>
+              <a:buChar char="-"/>
+              <a:tabLst/>
+            </a:pPr>
+            <a:r>
+              <a:rPr lang="en-US" sz="3200" dirty="0" smtClean="0">
+                <a:solidFill>
+                  <a:srgbClr val="000000"/>
+                </a:solidFill>
+              </a:rPr>
+              <a:t>List comprehension, map function</a:t>
+            </a:r>
+          </a:p>
+          <a:p>
+            <a:pPr marL="342900" marR="0" indent="-342900" algn="l" defTabSz="1308100" rtl="0" fontAlgn="auto" latinLnBrk="1" hangingPunct="0">
+              <a:lnSpc>
+                <a:spcPct val="100000"/>
+              </a:lnSpc>
+              <a:spcBef>
+                <a:spcPts val="0"/>
+              </a:spcBef>
+              <a:spcAft>
+                <a:spcPts val="0"/>
+              </a:spcAft>
+              <a:buClrTx/>
+              <a:buSzTx/>
+              <a:buFontTx/>
+              <a:buChar char="-"/>
+              <a:tabLst/>
+            </a:pPr>
+            <a:r>
+              <a:rPr kumimoji="0" lang="en-US" sz="3200" b="0" i="0" u="none" strike="noStrike" cap="none" spc="0" normalizeH="0" baseline="0" dirty="0" err="1" smtClean="0">
+                <a:ln>
+                  <a:noFill/>
+                </a:ln>
+                <a:solidFill>
+                  <a:srgbClr val="000000"/>
+                </a:solidFill>
+                <a:effectLst/>
+                <a:uFill>
+                  <a:solidFill>
+                    <a:srgbClr val="FFFFFF"/>
+                  </a:solidFill>
+                </a:uFill>
+                <a:sym typeface="News706BT-RomanC"/>
+              </a:rPr>
+              <a:t>Itertools</a:t>
+            </a:r>
+            <a:endParaRPr kumimoji="0" lang="en-US" sz="3200" b="0" i="0" u="none" strike="noStrike" cap="none" spc="0" normalizeH="0" baseline="0" dirty="0" smtClean="0">
+              <a:ln>
+                <a:noFill/>
+              </a:ln>
+              <a:solidFill>
+                <a:srgbClr val="000000"/>
+              </a:solidFill>
+              <a:effectLst/>
+              <a:uFill>
+                <a:solidFill>
+                  <a:srgbClr val="FFFFFF"/>
+                </a:solidFill>
+              </a:uFill>
+              <a:sym typeface="News706BT-RomanC"/>
+            </a:endParaRPr>
           </a:p>
         </p:txBody>
       </p:sp>
     </p:spTree>
     <p:extLst>
       <p:ext uri="{BB962C8B-B14F-4D97-AF65-F5344CB8AC3E}">
-        <p14:creationId xmlns:p14="http://schemas.microsoft.com/office/powerpoint/2010/main" val="782195721"/>
+        <p14:creationId xmlns:p14="http://schemas.microsoft.com/office/powerpoint/2010/main" val="4092335473"/>
       </p:ext>
     </p:extLst>
   </p:cSld>
@@ -3377,14 +4014,197 @@
       </p:grpSpPr>
       <p:sp>
         <p:nvSpPr>
-          <p:cNvPr id="2" name="TextBox 1"/>
+          <p:cNvPr id="3" name="TextBox 2"/>
           <p:cNvSpPr txBox="1"/>
           <p:nvPr/>
         </p:nvSpPr>
         <p:spPr>
           <a:xfrm>
-            <a:off x="643006" y="556427"/>
-            <a:ext cx="4003525" cy="656590"/>
+            <a:off x="793893" y="1343313"/>
+            <a:ext cx="11734862" cy="5888791"/>
+          </a:xfrm>
+          <a:prstGeom prst="rect">
+            <a:avLst/>
+          </a:prstGeom>
+          <a:noFill/>
+          <a:ln w="12700" cap="flat">
+            <a:noFill/>
+            <a:miter lim="400000"/>
+          </a:ln>
+          <a:effectLst/>
+        </p:spPr>
+        <p:style>
+          <a:lnRef idx="0">
+            <a:scrgbClr r="0" g="0" b="0"/>
+          </a:lnRef>
+          <a:fillRef idx="0">
+            <a:scrgbClr r="0" g="0" b="0"/>
+          </a:fillRef>
+          <a:effectRef idx="0">
+            <a:scrgbClr r="0" g="0" b="0"/>
+          </a:effectRef>
+          <a:fontRef idx="none"/>
+        </p:style>
+        <p:txBody>
+          <a:bodyPr rot="0" spcFirstLastPara="1" vertOverflow="overflow" horzOverflow="overflow" vert="horz" wrap="square" lIns="50800" tIns="50800" rIns="50800" bIns="50800" numCol="1" spcCol="38100" rtlCol="0" anchor="ctr">
+            <a:spAutoFit/>
+          </a:bodyPr>
+          <a:lstStyle/>
+          <a:p>
+            <a:r>
+              <a:rPr lang="en-US" dirty="0"/>
+              <a:t>In [</a:t>
+            </a:r>
+            <a:r>
+              <a:rPr lang="en-US" b="1" dirty="0"/>
+              <a:t>48</a:t>
+            </a:r>
+            <a:r>
+              <a:rPr lang="en-US" dirty="0"/>
+              <a:t>]: ?map</a:t>
+            </a:r>
+          </a:p>
+          <a:p>
+            <a:r>
+              <a:rPr lang="hu-HU" dirty="0"/>
+              <a:t>Docstring:</a:t>
+            </a:r>
+          </a:p>
+          <a:p>
+            <a:r>
+              <a:rPr lang="en-US" dirty="0"/>
+              <a:t>map(function, sequence[, sequence, ...]) -&gt; list</a:t>
+            </a:r>
+          </a:p>
+          <a:p>
+            <a:endParaRPr lang="en-US" dirty="0"/>
+          </a:p>
+          <a:p>
+            <a:r>
+              <a:rPr lang="en-US" dirty="0"/>
+              <a:t>Return a list of the results of applying the function to the items of</a:t>
+            </a:r>
+          </a:p>
+          <a:p>
+            <a:r>
+              <a:rPr lang="en-US" dirty="0"/>
+              <a:t>the argument sequence(s).  If more than one sequence is given, the</a:t>
+            </a:r>
+          </a:p>
+          <a:p>
+            <a:r>
+              <a:rPr lang="en-US" dirty="0"/>
+              <a:t>function is called with an argument list consisting of the corresponding</a:t>
+            </a:r>
+          </a:p>
+          <a:p>
+            <a:r>
+              <a:rPr lang="en-US" dirty="0"/>
+              <a:t>item of each sequence, substituting None for missing values when not all</a:t>
+            </a:r>
+          </a:p>
+          <a:p>
+            <a:r>
+              <a:rPr lang="en-US" dirty="0"/>
+              <a:t>sequences have the same length.  If the function is None, return a list of</a:t>
+            </a:r>
+          </a:p>
+          <a:p>
+            <a:r>
+              <a:rPr lang="en-US" dirty="0"/>
+              <a:t>the items of the sequence (or a list of tuples if more than one sequence).</a:t>
+            </a:r>
+          </a:p>
+          <a:p>
+            <a:r>
+              <a:rPr lang="en-US" dirty="0"/>
+              <a:t>Type:      </a:t>
+            </a:r>
+            <a:r>
+              <a:rPr lang="en-US" dirty="0" err="1"/>
+              <a:t>builtin_function_or_method</a:t>
+            </a:r>
+            <a:endParaRPr lang="en-US" dirty="0"/>
+          </a:p>
+          <a:p>
+            <a:endParaRPr lang="en-US" dirty="0"/>
+          </a:p>
+          <a:p>
+            <a:r>
+              <a:rPr lang="en-US" dirty="0"/>
+              <a:t>In [</a:t>
+            </a:r>
+            <a:r>
+              <a:rPr lang="en-US" b="1" dirty="0"/>
+              <a:t>49</a:t>
+            </a:r>
+            <a:r>
+              <a:rPr lang="en-US" dirty="0"/>
+              <a:t>]: map?</a:t>
+            </a:r>
+          </a:p>
+          <a:p>
+            <a:r>
+              <a:rPr lang="hu-HU" dirty="0"/>
+              <a:t>Docstring:</a:t>
+            </a:r>
+          </a:p>
+          <a:p>
+            <a:r>
+              <a:rPr lang="en-US" dirty="0"/>
+              <a:t>map(function, sequence[, sequence, ...]) -&gt; </a:t>
+            </a:r>
+            <a:r>
+              <a:rPr lang="en-US" dirty="0" smtClean="0"/>
+              <a:t>list …</a:t>
+            </a:r>
+            <a:endParaRPr lang="en-US" dirty="0"/>
+          </a:p>
+          <a:p>
+            <a:pPr marL="0" marR="0" indent="0" algn="l" defTabSz="1308100" rtl="0" fontAlgn="auto" latinLnBrk="1" hangingPunct="0">
+              <a:lnSpc>
+                <a:spcPct val="100000"/>
+              </a:lnSpc>
+              <a:spcBef>
+                <a:spcPts val="0"/>
+              </a:spcBef>
+              <a:spcAft>
+                <a:spcPts val="0"/>
+              </a:spcAft>
+              <a:buClrTx/>
+              <a:buSzTx/>
+              <a:buFontTx/>
+              <a:buNone/>
+              <a:tabLst/>
+            </a:pPr>
+            <a:endParaRPr kumimoji="0" lang="en-US" sz="1600" b="0" i="0" u="none" strike="noStrike" cap="none" spc="0" normalizeH="0" baseline="0" dirty="0">
+              <a:ln>
+                <a:noFill/>
+              </a:ln>
+              <a:solidFill>
+                <a:srgbClr val="000000"/>
+              </a:solidFill>
+              <a:effectLst/>
+              <a:uFill>
+                <a:solidFill>
+                  <a:srgbClr val="FFFFFF"/>
+                </a:solidFill>
+              </a:uFill>
+              <a:sym typeface="News706BT-RomanC"/>
+            </a:endParaRPr>
+          </a:p>
+        </p:txBody>
+      </p:sp>
+      <p:sp>
+        <p:nvSpPr>
+          <p:cNvPr id="4" name="TextBox 3"/>
+          <p:cNvSpPr txBox="1"/>
+          <p:nvPr/>
+        </p:nvSpPr>
+        <p:spPr>
+          <a:xfrm>
+            <a:off x="617068" y="504897"/>
+            <a:ext cx="1842101" cy="718145"/>
           </a:xfrm>
           <a:prstGeom prst="rect">
             <a:avLst/>
@@ -3431,14 +4251,27 @@
               <a:tabLst/>
             </a:pPr>
             <a:r>
-              <a:rPr lang="en-US" sz="3600" dirty="0" smtClean="0">
+              <a:rPr kumimoji="0" lang="en-US" sz="4000" b="0" i="0" u="none" strike="noStrike" cap="none" spc="0" normalizeH="0" baseline="0" dirty="0" smtClean="0">
+                <a:ln>
+                  <a:noFill/>
+                </a:ln>
                 <a:solidFill>
                   <a:srgbClr val="000000"/>
                 </a:solidFill>
+                <a:effectLst/>
+                <a:uFill>
+                  <a:solidFill>
+                    <a:srgbClr val="FFFFFF"/>
+                  </a:solidFill>
+                </a:uFill>
+                <a:latin typeface="News706BT-RomanC"/>
+                <a:ea typeface="News706BT-RomanC"/>
+                <a:cs typeface="News706BT-RomanC"/>
+                <a:sym typeface="News706BT-RomanC"/>
               </a:rPr>
-              <a:t>IPython Notebooks</a:t>
-            </a:r>
-            <a:endParaRPr kumimoji="0" lang="en-US" sz="3600" b="0" i="0" u="none" strike="noStrike" cap="none" spc="0" normalizeH="0" baseline="0" dirty="0">
+              <a:t>IPython</a:t>
+            </a:r>
+            <a:endParaRPr kumimoji="0" lang="en-US" sz="2400" b="0" i="0" u="none" strike="noStrike" cap="none" spc="0" normalizeH="0" baseline="0" dirty="0" smtClean="0">
               <a:ln>
                 <a:noFill/>
               </a:ln>
@@ -3451,219 +4284,6 @@
                   <a:srgbClr val="FFFFFF"/>
                 </a:solidFill>
               </a:uFill>
-              <a:sym typeface="News706BT-RomanC"/>
-            </a:endParaRPr>
-          </a:p>
-        </p:txBody>
-      </p:sp>
-      <p:sp>
-        <p:nvSpPr>
-          <p:cNvPr id="3" name="TextBox 2"/>
-          <p:cNvSpPr txBox="1"/>
-          <p:nvPr/>
-        </p:nvSpPr>
-        <p:spPr>
-          <a:xfrm>
-            <a:off x="643006" y="1628909"/>
-            <a:ext cx="11059706" cy="5027017"/>
-          </a:xfrm>
-          <a:prstGeom prst="rect">
-            <a:avLst/>
-          </a:prstGeom>
-          <a:noFill/>
-          <a:ln w="12700" cap="flat">
-            <a:noFill/>
-            <a:miter lim="400000"/>
-          </a:ln>
-          <a:effectLst/>
-        </p:spPr>
-        <p:style>
-          <a:lnRef idx="0">
-            <a:scrgbClr r="0" g="0" b="0"/>
-          </a:lnRef>
-          <a:fillRef idx="0">
-            <a:scrgbClr r="0" g="0" b="0"/>
-          </a:fillRef>
-          <a:effectRef idx="0">
-            <a:scrgbClr r="0" g="0" b="0"/>
-          </a:effectRef>
-          <a:fontRef idx="none"/>
-        </p:style>
-        <p:txBody>
-          <a:bodyPr rot="0" spcFirstLastPara="1" vertOverflow="overflow" horzOverflow="overflow" vert="horz" wrap="square" lIns="50800" tIns="50800" rIns="50800" bIns="50800" numCol="1" spcCol="38100" rtlCol="0" anchor="ctr">
-            <a:spAutoFit/>
-          </a:bodyPr>
-          <a:lstStyle/>
-          <a:p>
-            <a:pPr algn="l" rtl="0" latinLnBrk="1" hangingPunct="0"/>
-            <a:r>
-              <a:rPr lang="en-US" sz="3200" dirty="0">
-                <a:solidFill>
-                  <a:srgbClr val="000000"/>
-                </a:solidFill>
-              </a:rPr>
-              <a:t>● A feature-rich notebook for Python based on IPython</a:t>
-            </a:r>
-          </a:p>
-          <a:p>
-            <a:pPr algn="l" rtl="0" latinLnBrk="1" hangingPunct="0"/>
-            <a:r>
-              <a:rPr lang="en-US" sz="3200" dirty="0">
-                <a:solidFill>
-                  <a:srgbClr val="000000"/>
-                </a:solidFill>
-              </a:rPr>
-              <a:t>● Great for</a:t>
-            </a:r>
-          </a:p>
-          <a:p>
-            <a:pPr algn="l" rtl="0" latinLnBrk="1" hangingPunct="0"/>
-            <a:r>
-              <a:rPr lang="en-US" sz="3200" dirty="0" smtClean="0">
-                <a:solidFill>
-                  <a:srgbClr val="000000"/>
-                </a:solidFill>
-              </a:rPr>
-              <a:t>	○ </a:t>
-            </a:r>
-            <a:r>
-              <a:rPr lang="en-US" sz="3200" dirty="0">
-                <a:solidFill>
-                  <a:srgbClr val="000000"/>
-                </a:solidFill>
-              </a:rPr>
-              <a:t>prototyping</a:t>
-            </a:r>
-          </a:p>
-          <a:p>
-            <a:pPr algn="l" rtl="0" latinLnBrk="1" hangingPunct="0"/>
-            <a:r>
-              <a:rPr lang="en-US" sz="3200" dirty="0" smtClean="0">
-                <a:solidFill>
-                  <a:srgbClr val="000000"/>
-                </a:solidFill>
-              </a:rPr>
-              <a:t>	○ </a:t>
-            </a:r>
-            <a:r>
-              <a:rPr lang="en-US" sz="3200" dirty="0">
-                <a:solidFill>
-                  <a:srgbClr val="000000"/>
-                </a:solidFill>
-              </a:rPr>
-              <a:t>demonstration</a:t>
-            </a:r>
-          </a:p>
-          <a:p>
-            <a:pPr algn="l" rtl="0" latinLnBrk="1" hangingPunct="0"/>
-            <a:r>
-              <a:rPr lang="en-US" sz="3200" dirty="0" smtClean="0">
-                <a:solidFill>
-                  <a:srgbClr val="000000"/>
-                </a:solidFill>
-              </a:rPr>
-              <a:t>	○ </a:t>
-            </a:r>
-            <a:r>
-              <a:rPr lang="en-US" sz="3200" dirty="0">
-                <a:solidFill>
-                  <a:srgbClr val="000000"/>
-                </a:solidFill>
-              </a:rPr>
-              <a:t>exploratory data analysis (EDA)</a:t>
-            </a:r>
-          </a:p>
-          <a:p>
-            <a:pPr algn="l" rtl="0" latinLnBrk="1" hangingPunct="0"/>
-            <a:r>
-              <a:rPr lang="en-US" sz="3200" dirty="0">
-                <a:solidFill>
-                  <a:srgbClr val="000000"/>
-                </a:solidFill>
-              </a:rPr>
-              <a:t>● Terrible for</a:t>
-            </a:r>
-          </a:p>
-          <a:p>
-            <a:pPr algn="l" rtl="0" latinLnBrk="1" hangingPunct="0"/>
-            <a:r>
-              <a:rPr lang="en-US" sz="3200" dirty="0" smtClean="0">
-                <a:solidFill>
-                  <a:srgbClr val="000000"/>
-                </a:solidFill>
-              </a:rPr>
-              <a:t>	○ </a:t>
-            </a:r>
-            <a:r>
-              <a:rPr lang="en-US" sz="3200" dirty="0">
-                <a:solidFill>
-                  <a:srgbClr val="000000"/>
-                </a:solidFill>
-              </a:rPr>
-              <a:t>robustly engineered code</a:t>
-            </a:r>
-          </a:p>
-          <a:p>
-            <a:pPr algn="l" rtl="0" latinLnBrk="1" hangingPunct="0"/>
-            <a:r>
-              <a:rPr lang="en-US" sz="3200" dirty="0">
-                <a:solidFill>
-                  <a:srgbClr val="000000"/>
-                </a:solidFill>
-              </a:rPr>
-              <a:t>● Conclusion:</a:t>
-            </a:r>
-          </a:p>
-          <a:p>
-            <a:pPr algn="l" rtl="0" latinLnBrk="1" hangingPunct="0"/>
-            <a:r>
-              <a:rPr lang="en-US" sz="3200" dirty="0" smtClean="0">
-                <a:solidFill>
-                  <a:srgbClr val="000000"/>
-                </a:solidFill>
-              </a:rPr>
-              <a:t>	○ </a:t>
-            </a:r>
-            <a:r>
-              <a:rPr lang="en-US" sz="3200" dirty="0">
-                <a:solidFill>
-                  <a:srgbClr val="000000"/>
-                </a:solidFill>
-              </a:rPr>
-              <a:t>only use notebooks for simple exploratory tasks</a:t>
-            </a:r>
-          </a:p>
-          <a:p>
-            <a:pPr algn="l" rtl="0" latinLnBrk="1" hangingPunct="0"/>
-            <a:r>
-              <a:rPr lang="en-US" sz="3200" dirty="0" smtClean="0">
-                <a:solidFill>
-                  <a:srgbClr val="000000"/>
-                </a:solidFill>
-              </a:rPr>
-              <a:t>	○ </a:t>
-            </a:r>
-            <a:r>
-              <a:rPr lang="en-US" sz="3200" dirty="0">
-                <a:solidFill>
-                  <a:srgbClr val="000000"/>
-                </a:solidFill>
-              </a:rPr>
-              <a:t>use Sublime Text for actual development</a:t>
-            </a:r>
-            <a:endParaRPr kumimoji="0" lang="en-US" sz="3200" b="0" i="0" u="none" strike="noStrike" cap="none" spc="0" normalizeH="0" baseline="0" dirty="0">
-              <a:ln>
-                <a:noFill/>
-              </a:ln>
-              <a:solidFill>
-                <a:srgbClr val="000000"/>
-              </a:solidFill>
-              <a:effectLst/>
-              <a:uFill>
-                <a:solidFill>
-                  <a:srgbClr val="FFFFFF"/>
-                </a:solidFill>
-              </a:uFill>
               <a:latin typeface="News706BT-RomanC"/>
               <a:ea typeface="News706BT-RomanC"/>
               <a:cs typeface="News706BT-RomanC"/>
@@ -3675,7 +4295,7 @@
     </p:spTree>
     <p:extLst>
       <p:ext uri="{BB962C8B-B14F-4D97-AF65-F5344CB8AC3E}">
-        <p14:creationId xmlns:p14="http://schemas.microsoft.com/office/powerpoint/2010/main" val="4130898444"/>
+        <p14:creationId xmlns:p14="http://schemas.microsoft.com/office/powerpoint/2010/main" val="2568584083"/>
       </p:ext>
     </p:extLst>
   </p:cSld>
@@ -3683,13 +4303,6 @@
     <a:masterClrMapping/>
   </p:clrMapOvr>
   <p:transition xmlns:p14="http://schemas.microsoft.com/office/powerpoint/2010/main" spd="med"/>
-  <p:timing>
-    <p:tnLst>
-      <p:par>
-        <p:cTn xmlns:p14="http://schemas.microsoft.com/office/powerpoint/2010/main" id="1" dur="indefinite" restart="never" nodeType="tmRoot"/>
-      </p:par>
-    </p:tnLst>
-  </p:timing>
 </p:sld>
 </file>
 
@@ -3712,473 +4325,82 @@
       </p:grpSpPr>
       <p:sp>
         <p:nvSpPr>
-          <p:cNvPr id="2" name="TextBox 1"/>
-          <p:cNvSpPr txBox="1"/>
+          <p:cNvPr id="2" name="Rectangle 1"/>
+          <p:cNvSpPr/>
           <p:nvPr/>
         </p:nvSpPr>
         <p:spPr>
           <a:xfrm>
-            <a:off x="643006" y="659114"/>
-            <a:ext cx="7048153" cy="471924"/>
+            <a:off x="651419" y="558899"/>
+            <a:ext cx="5163117" cy="646331"/>
           </a:xfrm>
           <a:prstGeom prst="rect">
             <a:avLst/>
           </a:prstGeom>
-          <a:noFill/>
-          <a:ln w="12700" cap="flat">
-            <a:noFill/>
-            <a:miter lim="400000"/>
-          </a:ln>
-          <a:effectLst/>
         </p:spPr>
-        <p:style>
-          <a:lnRef idx="0">
-            <a:scrgbClr r="0" g="0" b="0"/>
-          </a:lnRef>
-          <a:fillRef idx="0">
-            <a:scrgbClr r="0" g="0" b="0"/>
-          </a:fillRef>
-          <a:effectRef idx="0">
-            <a:scrgbClr r="0" g="0" b="0"/>
-          </a:effectRef>
-          <a:fontRef idx="none"/>
-        </p:style>
         <p:txBody>
-          <a:bodyPr rot="0" spcFirstLastPara="1" vertOverflow="overflow" horzOverflow="overflow" vert="horz" wrap="none" lIns="50800" tIns="50800" rIns="50800" bIns="50800" numCol="1" spcCol="38100" rtlCol="0" anchor="ctr">
+          <a:bodyPr wrap="none">
             <a:spAutoFit/>
           </a:bodyPr>
           <a:lstStyle/>
           <a:p>
-            <a:pPr marL="0" marR="0" indent="0" algn="l" defTabSz="1308100" rtl="0" fontAlgn="auto" latinLnBrk="1" hangingPunct="0">
-              <a:lnSpc>
-                <a:spcPct val="100000"/>
-              </a:lnSpc>
-              <a:spcBef>
-                <a:spcPts val="0"/>
-              </a:spcBef>
-              <a:spcAft>
-                <a:spcPts val="0"/>
-              </a:spcAft>
-              <a:buClrTx/>
-              <a:buSzTx/>
-              <a:buFontTx/>
-              <a:buNone/>
-              <a:tabLst/>
-            </a:pPr>
-            <a:r>
-              <a:rPr kumimoji="0" lang="en-US" sz="2400" b="0" i="0" u="none" strike="noStrike" cap="none" spc="0" normalizeH="0" baseline="0" dirty="0" smtClean="0">
-                <a:ln>
-                  <a:noFill/>
-                </a:ln>
-                <a:solidFill>
-                  <a:srgbClr val="000000"/>
-                </a:solidFill>
-                <a:effectLst/>
-                <a:uFill>
-                  <a:solidFill>
-                    <a:srgbClr val="FFFFFF"/>
-                  </a:solidFill>
-                </a:uFill>
-                <a:latin typeface="News706BT-RomanC"/>
-                <a:ea typeface="News706BT-RomanC"/>
-                <a:cs typeface="News706BT-RomanC"/>
-                <a:sym typeface="News706BT-RomanC"/>
-              </a:rPr>
-              <a:t>IPython</a:t>
-            </a:r>
-            <a:r>
-              <a:rPr kumimoji="0" lang="en-US" sz="2400" b="0" i="0" u="none" strike="noStrike" cap="none" spc="0" normalizeH="0" dirty="0" smtClean="0">
-                <a:ln>
-                  <a:noFill/>
-                </a:ln>
-                <a:solidFill>
-                  <a:srgbClr val="000000"/>
-                </a:solidFill>
-                <a:effectLst/>
-                <a:uFill>
-                  <a:solidFill>
-                    <a:srgbClr val="FFFFFF"/>
-                  </a:solidFill>
-                </a:uFill>
-                <a:latin typeface="News706BT-RomanC"/>
-                <a:ea typeface="News706BT-RomanC"/>
-                <a:cs typeface="News706BT-RomanC"/>
-                <a:sym typeface="News706BT-RomanC"/>
-              </a:rPr>
-              <a:t> Notebook: </a:t>
-            </a:r>
-            <a:r>
-              <a:rPr kumimoji="0" lang="en-US" sz="2400" b="0" i="0" u="none" strike="noStrike" cap="none" spc="0" normalizeH="0" baseline="0" dirty="0" err="1" smtClean="0">
-                <a:ln>
-                  <a:noFill/>
-                </a:ln>
-                <a:solidFill>
-                  <a:srgbClr val="000000"/>
-                </a:solidFill>
-                <a:effectLst/>
-                <a:uFill>
-                  <a:solidFill>
-                    <a:srgbClr val="FFFFFF"/>
-                  </a:solidFill>
-                </a:uFill>
-                <a:latin typeface="News706BT-RomanC"/>
-                <a:ea typeface="News706BT-RomanC"/>
-                <a:cs typeface="News706BT-RomanC"/>
-                <a:sym typeface="News706BT-RomanC"/>
-              </a:rPr>
-              <a:t>Git</a:t>
-            </a:r>
-            <a:r>
-              <a:rPr kumimoji="0" lang="en-US" sz="2400" b="0" i="0" u="none" strike="noStrike" cap="none" spc="0" normalizeH="0" baseline="0" dirty="0" smtClean="0">
-                <a:ln>
-                  <a:noFill/>
-                </a:ln>
-                <a:solidFill>
-                  <a:srgbClr val="000000"/>
-                </a:solidFill>
-                <a:effectLst/>
-                <a:uFill>
-                  <a:solidFill>
-                    <a:srgbClr val="FFFFFF"/>
-                  </a:solidFill>
-                </a:uFill>
-                <a:latin typeface="News706BT-RomanC"/>
-                <a:ea typeface="News706BT-RomanC"/>
-                <a:cs typeface="News706BT-RomanC"/>
-                <a:sym typeface="News706BT-RomanC"/>
-              </a:rPr>
-              <a:t>, Pandas, </a:t>
-            </a:r>
-            <a:r>
-              <a:rPr kumimoji="0" lang="en-US" sz="2400" b="0" i="0" u="none" strike="noStrike" cap="none" spc="0" normalizeH="0" baseline="0" dirty="0" err="1" smtClean="0">
-                <a:ln>
-                  <a:noFill/>
-                </a:ln>
-                <a:solidFill>
-                  <a:srgbClr val="000000"/>
-                </a:solidFill>
-                <a:effectLst/>
-                <a:uFill>
-                  <a:solidFill>
-                    <a:srgbClr val="FFFFFF"/>
-                  </a:solidFill>
-                </a:uFill>
-                <a:latin typeface="News706BT-RomanC"/>
-                <a:ea typeface="News706BT-RomanC"/>
-                <a:cs typeface="News706BT-RomanC"/>
-                <a:sym typeface="News706BT-RomanC"/>
-              </a:rPr>
-              <a:t>Numpy</a:t>
-            </a:r>
-            <a:r>
-              <a:rPr lang="en-US" dirty="0" smtClean="0">
-                <a:solidFill>
-                  <a:srgbClr val="000000"/>
-                </a:solidFill>
-              </a:rPr>
-              <a:t>, </a:t>
-            </a:r>
-            <a:r>
-              <a:rPr lang="en-US" dirty="0" err="1" smtClean="0">
-                <a:solidFill>
-                  <a:srgbClr val="000000"/>
-                </a:solidFill>
-              </a:rPr>
-              <a:t>Matplotlib</a:t>
-            </a:r>
-            <a:endParaRPr kumimoji="0" lang="en-US" sz="2400" b="0" i="0" u="none" strike="noStrike" cap="none" spc="0" normalizeH="0" baseline="0" dirty="0">
-              <a:ln>
-                <a:noFill/>
-              </a:ln>
-              <a:solidFill>
-                <a:srgbClr val="000000"/>
-              </a:solidFill>
-              <a:effectLst/>
-              <a:uFill>
-                <a:solidFill>
-                  <a:srgbClr val="FFFFFF"/>
-                </a:solidFill>
-              </a:uFill>
-              <a:latin typeface="News706BT-RomanC"/>
-              <a:ea typeface="News706BT-RomanC"/>
-              <a:cs typeface="News706BT-RomanC"/>
-              <a:sym typeface="News706BT-RomanC"/>
-            </a:endParaRPr>
+            <a:r>
+              <a:rPr lang="en-US" sz="3600" dirty="0"/>
+              <a:t>IPython - tab completion</a:t>
+            </a:r>
           </a:p>
         </p:txBody>
       </p:sp>
       <p:sp>
         <p:nvSpPr>
-          <p:cNvPr id="3" name="TextBox 2"/>
-          <p:cNvSpPr txBox="1"/>
+          <p:cNvPr id="3" name="Rectangle 2"/>
+          <p:cNvSpPr/>
           <p:nvPr/>
         </p:nvSpPr>
         <p:spPr>
           <a:xfrm>
-            <a:off x="851983" y="791042"/>
-            <a:ext cx="8571557" cy="6381233"/>
+            <a:off x="651419" y="1612081"/>
+            <a:ext cx="6502400" cy="830997"/>
           </a:xfrm>
           <a:prstGeom prst="rect">
             <a:avLst/>
           </a:prstGeom>
-          <a:noFill/>
-          <a:ln w="12700" cap="flat">
-            <a:noFill/>
-            <a:miter lim="400000"/>
-          </a:ln>
-          <a:effectLst/>
         </p:spPr>
-        <p:style>
-          <a:lnRef idx="0">
-            <a:scrgbClr r="0" g="0" b="0"/>
-          </a:lnRef>
-          <a:fillRef idx="0">
-            <a:scrgbClr r="0" g="0" b="0"/>
-          </a:fillRef>
-          <a:effectRef idx="0">
-            <a:scrgbClr r="0" g="0" b="0"/>
-          </a:effectRef>
-          <a:fontRef idx="none"/>
-        </p:style>
         <p:txBody>
-          <a:bodyPr rot="0" spcFirstLastPara="1" vertOverflow="overflow" horzOverflow="overflow" vert="horz" wrap="none" lIns="50800" tIns="50800" rIns="50800" bIns="50800" numCol="1" spcCol="38100" rtlCol="0" anchor="ctr">
+          <a:bodyPr>
             <a:spAutoFit/>
           </a:bodyPr>
           <a:lstStyle/>
           <a:p>
-            <a:pPr algn="l" rtl="0" latinLnBrk="1" hangingPunct="0"/>
-            <a:endParaRPr lang="en-US" dirty="0" smtClean="0"/>
-          </a:p>
-          <a:p>
-            <a:pPr algn="l" rtl="0" latinLnBrk="1" hangingPunct="0"/>
             <a:r>
               <a:rPr lang="en-US" dirty="0" smtClean="0"/>
-              <a:t>[fork on </a:t>
-            </a:r>
-            <a:r>
-              <a:rPr lang="en-US" dirty="0" err="1" smtClean="0"/>
-              <a:t>github</a:t>
-            </a:r>
-            <a:r>
-              <a:rPr lang="en-US" dirty="0" smtClean="0"/>
-              <a:t>]</a:t>
-            </a:r>
-          </a:p>
-          <a:p>
-            <a:pPr algn="l" rtl="0" latinLnBrk="1" hangingPunct="0"/>
-            <a:endParaRPr lang="en-US" dirty="0" smtClean="0"/>
-          </a:p>
-          <a:p>
-            <a:pPr algn="l" rtl="0" latinLnBrk="1" hangingPunct="0"/>
-            <a:r>
-              <a:rPr lang="en-US" dirty="0" err="1" smtClean="0"/>
-              <a:t>scott</a:t>
+              <a:t>In </a:t>
             </a:r>
             <a:r>
               <a:rPr lang="en-US" dirty="0"/>
-              <a:t>$ </a:t>
+              <a:t>[8]: ma #Press tab...</a:t>
+            </a:r>
+          </a:p>
+          <a:p>
+            <a:r>
+              <a:rPr lang="en-US" dirty="0"/>
+              <a:t>%macro %magic %man %</a:t>
             </a:r>
             <a:r>
               <a:rPr lang="en-US" dirty="0" err="1"/>
-              <a:t>git</a:t>
+              <a:t>matplotlib</a:t>
             </a:r>
             <a:r>
               <a:rPr lang="en-US" dirty="0"/>
-              <a:t> clone </a:t>
-            </a:r>
-            <a:r>
-              <a:rPr lang="en-US" dirty="0">
-                <a:hlinkClick r:id="rId2"/>
-              </a:rPr>
-              <a:t>https://github.com/scottlittle/</a:t>
-            </a:r>
-            <a:r>
-              <a:rPr lang="en-US" dirty="0" smtClean="0">
-                <a:hlinkClick r:id="rId2"/>
-              </a:rPr>
-              <a:t>python4ds</a:t>
-            </a:r>
-            <a:endParaRPr lang="en-US" dirty="0" smtClean="0"/>
-          </a:p>
-          <a:p>
-            <a:pPr algn="l" rtl="0" latinLnBrk="1" hangingPunct="0"/>
-            <a:r>
-              <a:rPr lang="en-US" dirty="0" err="1" smtClean="0"/>
-              <a:t>scott</a:t>
-            </a:r>
-            <a:r>
-              <a:rPr lang="en-US" dirty="0"/>
-              <a:t>$ cd python4ds/</a:t>
-            </a:r>
-            <a:endParaRPr lang="en-US" dirty="0" smtClean="0"/>
-          </a:p>
-          <a:p>
-            <a:pPr algn="l" rtl="0" latinLnBrk="1" hangingPunct="0"/>
-            <a:endParaRPr lang="en-US" dirty="0"/>
-          </a:p>
-          <a:p>
-            <a:pPr algn="l" rtl="0" latinLnBrk="1" hangingPunct="0"/>
-            <a:endParaRPr lang="en-US" dirty="0" smtClean="0"/>
-          </a:p>
-          <a:p>
-            <a:pPr algn="l" rtl="0" latinLnBrk="1" hangingPunct="0"/>
-            <a:r>
-              <a:rPr lang="en-US" dirty="0" err="1" smtClean="0"/>
-              <a:t>scott</a:t>
-            </a:r>
-            <a:r>
-              <a:rPr lang="en-US" dirty="0"/>
-              <a:t>$ </a:t>
-            </a:r>
-            <a:r>
-              <a:rPr lang="en-US" dirty="0" err="1"/>
-              <a:t>ipython</a:t>
-            </a:r>
-            <a:r>
-              <a:rPr lang="en-US" dirty="0"/>
-              <a:t> </a:t>
-            </a:r>
-            <a:r>
-              <a:rPr lang="en-US" dirty="0" smtClean="0"/>
-              <a:t>notebook</a:t>
-            </a:r>
-          </a:p>
-          <a:p>
-            <a:pPr algn="l" rtl="0" latinLnBrk="1" hangingPunct="0"/>
-            <a:endParaRPr lang="en-US" dirty="0" smtClean="0"/>
-          </a:p>
-          <a:p>
-            <a:pPr algn="l" rtl="0" latinLnBrk="1" hangingPunct="0"/>
-            <a:r>
-              <a:rPr lang="en-US" dirty="0" smtClean="0"/>
-              <a:t>[IPNB: </a:t>
-            </a:r>
-            <a:r>
-              <a:rPr lang="pt-BR" dirty="0">
-                <a:hlinkClick r:id="rId3"/>
-              </a:rPr>
-              <a:t>http://localhost:8888/notebooks/Documents/</a:t>
-            </a:r>
-            <a:r>
-              <a:rPr lang="pt-BR" dirty="0" smtClean="0">
-                <a:hlinkClick r:id="rId3"/>
-              </a:rPr>
-              <a:t>python4ds</a:t>
-            </a:r>
-            <a:r>
-              <a:rPr lang="pt-BR" dirty="0" smtClean="0"/>
-              <a:t>]</a:t>
-            </a:r>
-          </a:p>
-          <a:p>
-            <a:pPr algn="l" rtl="0" latinLnBrk="1" hangingPunct="0"/>
-            <a:endParaRPr lang="pt-BR" dirty="0" smtClean="0"/>
-          </a:p>
-          <a:p>
-            <a:pPr algn="l" rtl="0" latinLnBrk="1" hangingPunct="0"/>
-            <a:endParaRPr lang="en-US" dirty="0" smtClean="0"/>
-          </a:p>
-          <a:p>
-            <a:pPr algn="l" rtl="0" latinLnBrk="1" hangingPunct="0"/>
-            <a:r>
-              <a:rPr lang="en-US" dirty="0" err="1"/>
-              <a:t>scott</a:t>
-            </a:r>
-            <a:r>
-              <a:rPr lang="en-US" dirty="0"/>
-              <a:t>$ </a:t>
-            </a:r>
-            <a:r>
-              <a:rPr lang="en-US" dirty="0" err="1"/>
-              <a:t>git</a:t>
-            </a:r>
-            <a:r>
-              <a:rPr lang="en-US" dirty="0"/>
-              <a:t> add </a:t>
-            </a:r>
-            <a:r>
-              <a:rPr lang="en-US" dirty="0" smtClean="0"/>
-              <a:t>.</a:t>
-            </a:r>
-          </a:p>
-          <a:p>
-            <a:pPr algn="l" rtl="0" latinLnBrk="1" hangingPunct="0"/>
-            <a:r>
-              <a:rPr lang="en-US" dirty="0" err="1" smtClean="0"/>
-              <a:t>scott</a:t>
-            </a:r>
-            <a:r>
-              <a:rPr lang="en-US" dirty="0"/>
-              <a:t>$ </a:t>
-            </a:r>
-            <a:r>
-              <a:rPr lang="en-US" dirty="0" err="1"/>
-              <a:t>git</a:t>
-            </a:r>
-            <a:r>
-              <a:rPr lang="en-US" dirty="0"/>
-              <a:t> commit -m "first </a:t>
-            </a:r>
-            <a:r>
-              <a:rPr lang="en-US" dirty="0" smtClean="0"/>
-              <a:t>commit”</a:t>
-            </a:r>
-          </a:p>
-          <a:p>
-            <a:pPr algn="l" rtl="0" latinLnBrk="1" hangingPunct="0"/>
-            <a:r>
-              <a:rPr lang="en-US" dirty="0" err="1" smtClean="0"/>
-              <a:t>scott</a:t>
-            </a:r>
-            <a:r>
-              <a:rPr lang="en-US" dirty="0"/>
-              <a:t>$ </a:t>
-            </a:r>
-            <a:r>
-              <a:rPr lang="en-US" dirty="0" err="1"/>
-              <a:t>git</a:t>
-            </a:r>
-            <a:r>
-              <a:rPr lang="en-US" dirty="0"/>
-              <a:t> </a:t>
-            </a:r>
-            <a:r>
-              <a:rPr lang="en-US" dirty="0" smtClean="0"/>
-              <a:t>push</a:t>
-            </a:r>
-            <a:endParaRPr lang="en-US" dirty="0"/>
-          </a:p>
-          <a:p>
-            <a:pPr algn="l" rtl="0" latinLnBrk="1" hangingPunct="0"/>
-            <a:endParaRPr lang="en-US" dirty="0" smtClean="0"/>
-          </a:p>
-          <a:p>
-            <a:pPr algn="l" rtl="0" latinLnBrk="1" hangingPunct="0"/>
-            <a:endParaRPr kumimoji="0" lang="en-US" sz="2400" b="0" i="0" u="none" strike="noStrike" cap="none" spc="0" normalizeH="0" baseline="0" dirty="0">
-              <a:ln>
-                <a:noFill/>
-              </a:ln>
-              <a:solidFill>
-                <a:srgbClr val="000000"/>
-              </a:solidFill>
-              <a:effectLst/>
-              <a:uFill>
-                <a:solidFill>
-                  <a:srgbClr val="FFFFFF"/>
-                </a:solidFill>
-              </a:uFill>
-              <a:latin typeface="News706BT-RomanC"/>
-              <a:ea typeface="News706BT-RomanC"/>
-              <a:cs typeface="News706BT-RomanC"/>
-              <a:sym typeface="News706BT-RomanC"/>
-            </a:endParaRPr>
+              <a:t> map max</a:t>
+            </a:r>
           </a:p>
         </p:txBody>
       </p:sp>
     </p:spTree>
     <p:extLst>
       <p:ext uri="{BB962C8B-B14F-4D97-AF65-F5344CB8AC3E}">
-        <p14:creationId xmlns:p14="http://schemas.microsoft.com/office/powerpoint/2010/main" val="1272931153"/>
+        <p14:creationId xmlns:p14="http://schemas.microsoft.com/office/powerpoint/2010/main" val="782195721"/>
       </p:ext>
     </p:extLst>
   </p:cSld>
@@ -4186,13 +4408,6 @@
     <a:masterClrMapping/>
   </p:clrMapOvr>
   <p:transition xmlns:p14="http://schemas.microsoft.com/office/powerpoint/2010/main" spd="med"/>
-  <p:timing>
-    <p:tnLst>
-      <p:par>
-        <p:cTn xmlns:p14="http://schemas.microsoft.com/office/powerpoint/2010/main" id="1" dur="indefinite" restart="never" nodeType="tmRoot"/>
-      </p:par>
-    </p:tnLst>
-  </p:timing>
 </p:sld>
 </file>
 

--- a/Intro2Python.pptx
+++ b/Intro2Python.pptx
@@ -5,7 +5,7 @@
     <p:sldMasterId id="2147483648" r:id="rId1"/>
   </p:sldMasterIdLst>
   <p:notesMasterIdLst>
-    <p:notesMasterId r:id="rId16"/>
+    <p:notesMasterId r:id="rId17"/>
   </p:notesMasterIdLst>
   <p:sldIdLst>
     <p:sldId id="256" r:id="rId2"/>
@@ -15,13 +15,14 @@
     <p:sldId id="301" r:id="rId6"/>
     <p:sldId id="302" r:id="rId7"/>
     <p:sldId id="289" r:id="rId8"/>
-    <p:sldId id="286" r:id="rId9"/>
-    <p:sldId id="287" r:id="rId10"/>
-    <p:sldId id="288" r:id="rId11"/>
-    <p:sldId id="297" r:id="rId12"/>
-    <p:sldId id="298" r:id="rId13"/>
-    <p:sldId id="299" r:id="rId14"/>
-    <p:sldId id="300" r:id="rId15"/>
+    <p:sldId id="303" r:id="rId9"/>
+    <p:sldId id="286" r:id="rId10"/>
+    <p:sldId id="287" r:id="rId11"/>
+    <p:sldId id="288" r:id="rId12"/>
+    <p:sldId id="297" r:id="rId13"/>
+    <p:sldId id="298" r:id="rId14"/>
+    <p:sldId id="299" r:id="rId15"/>
+    <p:sldId id="300" r:id="rId16"/>
   </p:sldIdLst>
   <p:sldSz cx="13004800" cy="7302500"/>
   <p:notesSz cx="6858000" cy="9144000"/>
@@ -1649,6 +1650,111 @@
       </p:grpSpPr>
       <p:sp>
         <p:nvSpPr>
+          <p:cNvPr id="2" name="Rectangle 1"/>
+          <p:cNvSpPr/>
+          <p:nvPr/>
+        </p:nvSpPr>
+        <p:spPr>
+          <a:xfrm>
+            <a:off x="651419" y="558899"/>
+            <a:ext cx="5163117" cy="646331"/>
+          </a:xfrm>
+          <a:prstGeom prst="rect">
+            <a:avLst/>
+          </a:prstGeom>
+        </p:spPr>
+        <p:txBody>
+          <a:bodyPr wrap="none">
+            <a:spAutoFit/>
+          </a:bodyPr>
+          <a:lstStyle/>
+          <a:p>
+            <a:r>
+              <a:rPr lang="en-US" sz="3600" dirty="0"/>
+              <a:t>IPython - tab completion</a:t>
+            </a:r>
+          </a:p>
+        </p:txBody>
+      </p:sp>
+      <p:sp>
+        <p:nvSpPr>
+          <p:cNvPr id="3" name="Rectangle 2"/>
+          <p:cNvSpPr/>
+          <p:nvPr/>
+        </p:nvSpPr>
+        <p:spPr>
+          <a:xfrm>
+            <a:off x="651419" y="1612081"/>
+            <a:ext cx="6502400" cy="830997"/>
+          </a:xfrm>
+          <a:prstGeom prst="rect">
+            <a:avLst/>
+          </a:prstGeom>
+        </p:spPr>
+        <p:txBody>
+          <a:bodyPr>
+            <a:spAutoFit/>
+          </a:bodyPr>
+          <a:lstStyle/>
+          <a:p>
+            <a:r>
+              <a:rPr lang="en-US" dirty="0" smtClean="0"/>
+              <a:t>In </a:t>
+            </a:r>
+            <a:r>
+              <a:rPr lang="en-US" dirty="0"/>
+              <a:t>[8]: ma #Press tab...</a:t>
+            </a:r>
+          </a:p>
+          <a:p>
+            <a:r>
+              <a:rPr lang="en-US" dirty="0"/>
+              <a:t>%macro %magic %man %</a:t>
+            </a:r>
+            <a:r>
+              <a:rPr lang="en-US" dirty="0" err="1"/>
+              <a:t>matplotlib</a:t>
+            </a:r>
+            <a:r>
+              <a:rPr lang="en-US" dirty="0"/>
+              <a:t> map max</a:t>
+            </a:r>
+          </a:p>
+        </p:txBody>
+      </p:sp>
+    </p:spTree>
+    <p:extLst>
+      <p:ext uri="{BB962C8B-B14F-4D97-AF65-F5344CB8AC3E}">
+        <p14:creationId xmlns:p14="http://schemas.microsoft.com/office/powerpoint/2010/main" val="782195721"/>
+      </p:ext>
+    </p:extLst>
+  </p:cSld>
+  <p:clrMapOvr>
+    <a:masterClrMapping/>
+  </p:clrMapOvr>
+  <p:transition xmlns:p14="http://schemas.microsoft.com/office/powerpoint/2010/main" spd="med"/>
+</p:sld>
+</file>
+
+<file path=ppt/slides/slide11.xml><?xml version="1.0" encoding="utf-8"?>
+<p:sld xmlns:a="http://schemas.openxmlformats.org/drawingml/2006/main" xmlns:r="http://schemas.openxmlformats.org/officeDocument/2006/relationships" xmlns:p="http://schemas.openxmlformats.org/presentationml/2006/main">
+  <p:cSld>
+    <p:spTree>
+      <p:nvGrpSpPr>
+        <p:cNvPr id="1" name=""/>
+        <p:cNvGrpSpPr/>
+        <p:nvPr/>
+      </p:nvGrpSpPr>
+      <p:grpSpPr>
+        <a:xfrm>
+          <a:off x="0" y="0"/>
+          <a:ext cx="0" cy="0"/>
+          <a:chOff x="0" y="0"/>
+          <a:chExt cx="0" cy="0"/>
+        </a:xfrm>
+      </p:grpSpPr>
+      <p:sp>
+        <p:nvSpPr>
           <p:cNvPr id="2" name="TextBox 1"/>
           <p:cNvSpPr txBox="1"/>
           <p:nvPr/>
@@ -1955,85 +2061,6 @@
     <a:masterClrMapping/>
   </p:clrMapOvr>
   <p:transition xmlns:p14="http://schemas.microsoft.com/office/powerpoint/2010/main" spd="med"/>
-  <p:timing>
-    <p:tnLst>
-      <p:par>
-        <p:cTn xmlns:p14="http://schemas.microsoft.com/office/powerpoint/2010/main" id="1" dur="indefinite" restart="never" nodeType="tmRoot"/>
-      </p:par>
-    </p:tnLst>
-  </p:timing>
-</p:sld>
-</file>
-
-<file path=ppt/slides/slide11.xml><?xml version="1.0" encoding="utf-8"?>
-<p:sld xmlns:a="http://schemas.openxmlformats.org/drawingml/2006/main" xmlns:r="http://schemas.openxmlformats.org/officeDocument/2006/relationships" xmlns:p="http://schemas.openxmlformats.org/presentationml/2006/main">
-  <p:cSld>
-    <p:spTree>
-      <p:nvGrpSpPr>
-        <p:cNvPr id="1" name=""/>
-        <p:cNvGrpSpPr/>
-        <p:nvPr/>
-      </p:nvGrpSpPr>
-      <p:grpSpPr>
-        <a:xfrm>
-          <a:off x="0" y="0"/>
-          <a:ext cx="0" cy="0"/>
-          <a:chOff x="0" y="0"/>
-          <a:chExt cx="0" cy="0"/>
-        </a:xfrm>
-      </p:grpSpPr>
-      <p:sp>
-        <p:nvSpPr>
-          <p:cNvPr id="2" name="Title 1"/>
-          <p:cNvSpPr>
-            <a:spLocks noGrp="1"/>
-          </p:cNvSpPr>
-          <p:nvPr>
-            <p:ph type="ctrTitle"/>
-          </p:nvPr>
-        </p:nvSpPr>
-        <p:spPr/>
-        <p:txBody>
-          <a:bodyPr/>
-          <a:lstStyle/>
-          <a:p>
-            <a:endParaRPr lang="en-US" dirty="0"/>
-          </a:p>
-        </p:txBody>
-      </p:sp>
-      <p:sp>
-        <p:nvSpPr>
-          <p:cNvPr id="3" name="Subtitle 2"/>
-          <p:cNvSpPr>
-            <a:spLocks noGrp="1"/>
-          </p:cNvSpPr>
-          <p:nvPr>
-            <p:ph type="subTitle" idx="1"/>
-          </p:nvPr>
-        </p:nvSpPr>
-        <p:spPr/>
-        <p:txBody>
-          <a:bodyPr/>
-          <a:lstStyle/>
-          <a:p>
-            <a:r>
-              <a:rPr lang="en-US" dirty="0" smtClean="0"/>
-              <a:t>[Pandas demo]</a:t>
-            </a:r>
-            <a:endParaRPr lang="en-US" dirty="0"/>
-          </a:p>
-        </p:txBody>
-      </p:sp>
-    </p:spTree>
-    <p:extLst>
-      <p:ext uri="{BB962C8B-B14F-4D97-AF65-F5344CB8AC3E}">
-        <p14:creationId xmlns:p14="http://schemas.microsoft.com/office/powerpoint/2010/main" val="1799761309"/>
-      </p:ext>
-    </p:extLst>
-  </p:cSld>
-  <p:clrMapOvr>
-    <a:masterClrMapping/>
-  </p:clrMapOvr>
   <p:timing>
     <p:tnLst>
       <p:par>
@@ -2076,7 +2103,7 @@
           <a:bodyPr/>
           <a:lstStyle/>
           <a:p>
-            <a:endParaRPr lang="en-US"/>
+            <a:endParaRPr lang="en-US" dirty="0"/>
           </a:p>
         </p:txBody>
       </p:sp>
@@ -2097,7 +2124,7 @@
           <a:p>
             <a:r>
               <a:rPr lang="en-US" dirty="0" smtClean="0"/>
-              <a:t>[Machine Learning]</a:t>
+              <a:t>[Pandas demo]</a:t>
             </a:r>
             <a:endParaRPr lang="en-US" dirty="0"/>
           </a:p>
@@ -2106,13 +2133,20 @@
     </p:spTree>
     <p:extLst>
       <p:ext uri="{BB962C8B-B14F-4D97-AF65-F5344CB8AC3E}">
-        <p14:creationId xmlns:p14="http://schemas.microsoft.com/office/powerpoint/2010/main" val="144349150"/>
+        <p14:creationId xmlns:p14="http://schemas.microsoft.com/office/powerpoint/2010/main" val="1799761309"/>
       </p:ext>
     </p:extLst>
   </p:cSld>
   <p:clrMapOvr>
     <a:masterClrMapping/>
   </p:clrMapOvr>
+  <p:timing>
+    <p:tnLst>
+      <p:par>
+        <p:cTn xmlns:p14="http://schemas.microsoft.com/office/powerpoint/2010/main" id="1" dur="indefinite" restart="never" nodeType="tmRoot"/>
+      </p:par>
+    </p:tnLst>
+  </p:timing>
 </p:sld>
 </file>
 
@@ -2169,6 +2203,78 @@
           <a:p>
             <a:r>
               <a:rPr lang="en-US" dirty="0" smtClean="0"/>
+              <a:t>[Machine Learning]</a:t>
+            </a:r>
+            <a:endParaRPr lang="en-US" dirty="0"/>
+          </a:p>
+        </p:txBody>
+      </p:sp>
+    </p:spTree>
+    <p:extLst>
+      <p:ext uri="{BB962C8B-B14F-4D97-AF65-F5344CB8AC3E}">
+        <p14:creationId xmlns:p14="http://schemas.microsoft.com/office/powerpoint/2010/main" val="144349150"/>
+      </p:ext>
+    </p:extLst>
+  </p:cSld>
+  <p:clrMapOvr>
+    <a:masterClrMapping/>
+  </p:clrMapOvr>
+</p:sld>
+</file>
+
+<file path=ppt/slides/slide14.xml><?xml version="1.0" encoding="utf-8"?>
+<p:sld xmlns:a="http://schemas.openxmlformats.org/drawingml/2006/main" xmlns:r="http://schemas.openxmlformats.org/officeDocument/2006/relationships" xmlns:p="http://schemas.openxmlformats.org/presentationml/2006/main">
+  <p:cSld>
+    <p:spTree>
+      <p:nvGrpSpPr>
+        <p:cNvPr id="1" name=""/>
+        <p:cNvGrpSpPr/>
+        <p:nvPr/>
+      </p:nvGrpSpPr>
+      <p:grpSpPr>
+        <a:xfrm>
+          <a:off x="0" y="0"/>
+          <a:ext cx="0" cy="0"/>
+          <a:chOff x="0" y="0"/>
+          <a:chExt cx="0" cy="0"/>
+        </a:xfrm>
+      </p:grpSpPr>
+      <p:sp>
+        <p:nvSpPr>
+          <p:cNvPr id="2" name="Title 1"/>
+          <p:cNvSpPr>
+            <a:spLocks noGrp="1"/>
+          </p:cNvSpPr>
+          <p:nvPr>
+            <p:ph type="ctrTitle"/>
+          </p:nvPr>
+        </p:nvSpPr>
+        <p:spPr/>
+        <p:txBody>
+          <a:bodyPr/>
+          <a:lstStyle/>
+          <a:p>
+            <a:endParaRPr lang="en-US"/>
+          </a:p>
+        </p:txBody>
+      </p:sp>
+      <p:sp>
+        <p:nvSpPr>
+          <p:cNvPr id="3" name="Subtitle 2"/>
+          <p:cNvSpPr>
+            <a:spLocks noGrp="1"/>
+          </p:cNvSpPr>
+          <p:nvPr>
+            <p:ph type="subTitle" idx="1"/>
+          </p:nvPr>
+        </p:nvSpPr>
+        <p:spPr/>
+        <p:txBody>
+          <a:bodyPr/>
+          <a:lstStyle/>
+          <a:p>
+            <a:r>
+              <a:rPr lang="en-US" dirty="0" smtClean="0"/>
               <a:t>[Web scraping]</a:t>
             </a:r>
             <a:endParaRPr lang="en-US" dirty="0"/>
@@ -2188,7 +2294,7 @@
 </p:sld>
 </file>
 
-<file path=ppt/slides/slide14.xml><?xml version="1.0" encoding="utf-8"?>
+<file path=ppt/slides/slide15.xml><?xml version="1.0" encoding="utf-8"?>
 <p:sld xmlns:a="http://schemas.openxmlformats.org/drawingml/2006/main" xmlns:r="http://schemas.openxmlformats.org/officeDocument/2006/relationships" xmlns:p="http://schemas.openxmlformats.org/presentationml/2006/main">
   <p:cSld>
     <p:spTree>
@@ -2635,7 +2741,7 @@
         <p:spPr>
           <a:xfrm>
             <a:off x="635000" y="2273300"/>
-            <a:ext cx="11734800" cy="416781"/>
+            <a:ext cx="11734800" cy="891270"/>
           </a:xfrm>
           <a:prstGeom prst="rect">
             <a:avLst/>
@@ -2675,8 +2781,45 @@
                   <a:solidFill/>
                 </a:uFill>
               </a:rPr>
-              <a:t>What is your name and what do you do?</a:t>
-            </a:r>
+              <a:t>What is your name and what do you do</a:t>
+            </a:r>
+            <a:r>
+              <a:rPr lang="en-US" sz="2500" dirty="0" smtClean="0">
+                <a:uFill>
+                  <a:solidFill/>
+                </a:uFill>
+              </a:rPr>
+              <a:t>?</a:t>
+            </a:r>
+          </a:p>
+          <a:p>
+            <a:pPr marL="246944" lvl="1" indent="-246944" defTabSz="647700">
+              <a:lnSpc>
+                <a:spcPct val="110000"/>
+              </a:lnSpc>
+              <a:spcBef>
+                <a:spcPts val="400"/>
+              </a:spcBef>
+              <a:buSzPct val="85000"/>
+              <a:buFont typeface="Lucida Grande"/>
+              <a:buChar char="‣"/>
+              <a:defRPr sz="1800">
+                <a:uFillTx/>
+              </a:defRPr>
+            </a:pPr>
+            <a:r>
+              <a:rPr lang="en-US" sz="2500" dirty="0" smtClean="0">
+                <a:uFill>
+                  <a:solidFill/>
+                </a:uFill>
+              </a:rPr>
+              <a:t>Python comfort level (1 – 10)</a:t>
+            </a:r>
+            <a:endParaRPr lang="en-US" sz="2500" dirty="0" smtClean="0">
+              <a:uFill>
+                <a:solidFill/>
+              </a:uFill>
+            </a:endParaRPr>
           </a:p>
         </p:txBody>
       </p:sp>
@@ -3140,8 +3283,8 @@
         </p:nvSpPr>
         <p:spPr>
           <a:xfrm>
-            <a:off x="851982" y="1931213"/>
-            <a:ext cx="10625677" cy="5027017"/>
+            <a:off x="851982" y="1623437"/>
+            <a:ext cx="10625677" cy="5642570"/>
           </a:xfrm>
           <a:prstGeom prst="rect">
             <a:avLst/>
@@ -3193,8 +3336,48 @@
                   <a:srgbClr val="000000"/>
                 </a:solidFill>
               </a:rPr>
-              <a:t>Setting up Python</a:t>
-            </a:r>
+              <a:t>Setting up </a:t>
+            </a:r>
+            <a:r>
+              <a:rPr lang="en-US" sz="4000" dirty="0" smtClean="0">
+                <a:solidFill>
+                  <a:srgbClr val="000000"/>
+                </a:solidFill>
+              </a:rPr>
+              <a:t>Python – versions</a:t>
+            </a:r>
+            <a:r>
+              <a:rPr lang="en-US" sz="4000" smtClean="0">
+                <a:solidFill>
+                  <a:srgbClr val="000000"/>
+                </a:solidFill>
+              </a:rPr>
+              <a:t>, etc.</a:t>
+            </a:r>
+            <a:endParaRPr lang="en-US" sz="4000" dirty="0" smtClean="0">
+              <a:solidFill>
+                <a:srgbClr val="000000"/>
+              </a:solidFill>
+            </a:endParaRPr>
+          </a:p>
+          <a:p>
+            <a:pPr marL="342900" lvl="5" indent="-342900" algn="l" rtl="0" latinLnBrk="1" hangingPunct="0">
+              <a:buFont typeface="Arial"/>
+              <a:buChar char="•"/>
+            </a:pPr>
+            <a:r>
+              <a:rPr lang="en-US" sz="4000" dirty="0" smtClean="0">
+                <a:solidFill>
+                  <a:srgbClr val="000000"/>
+                </a:solidFill>
+              </a:rPr>
+              <a:t>Running from command line</a:t>
+            </a:r>
+            <a:endParaRPr lang="en-US" sz="4000" dirty="0" smtClean="0">
+              <a:solidFill>
+                <a:srgbClr val="000000"/>
+              </a:solidFill>
+            </a:endParaRPr>
           </a:p>
           <a:p>
             <a:pPr marL="342900" marR="0" indent="-342900" algn="l" defTabSz="1308100" rtl="0" fontAlgn="auto" latinLnBrk="1" hangingPunct="0">
@@ -3538,8 +3721,8 @@
         </p:nvSpPr>
         <p:spPr>
           <a:xfrm>
-            <a:off x="828220" y="1924951"/>
-            <a:ext cx="9869639" cy="2564805"/>
+            <a:off x="828220" y="1678730"/>
+            <a:ext cx="9869639" cy="3057247"/>
           </a:xfrm>
           <a:prstGeom prst="rect">
             <a:avLst/>
@@ -3591,7 +3774,7 @@
                   <a:srgbClr val="000000"/>
                 </a:solidFill>
               </a:rPr>
-              <a:t>Indentation</a:t>
+              <a:t>Indentation in Python</a:t>
             </a:r>
           </a:p>
           <a:p>
@@ -3638,6 +3821,14 @@
               <a:tabLst/>
             </a:pPr>
             <a:r>
+              <a:rPr lang="en-US" sz="3200" dirty="0" smtClean="0">
+                <a:solidFill>
+                  <a:srgbClr val="000000"/>
+                </a:solidFill>
+              </a:rPr>
+              <a:t>Functions, </a:t>
+            </a:r>
+            <a:r>
               <a:rPr kumimoji="0" lang="en-US" sz="3200" b="0" i="0" u="none" strike="noStrike" cap="none" spc="0" normalizeH="0" baseline="0" dirty="0" smtClean="0">
                 <a:ln>
                   <a:noFill/>
@@ -3653,8 +3844,41 @@
                 </a:uFill>
                 <a:sym typeface="News706BT-RomanC"/>
               </a:rPr>
-              <a:t>For loops</a:t>
-            </a:r>
+              <a:t>For loops, If</a:t>
+            </a:r>
+            <a:r>
+              <a:rPr kumimoji="0" lang="en-US" sz="3200" b="0" i="0" u="none" strike="noStrike" cap="none" spc="0" normalizeH="0" dirty="0" smtClean="0">
+                <a:ln>
+                  <a:noFill/>
+                </a:ln>
+                <a:solidFill>
+                  <a:srgbClr val="000000"/>
+                </a:solidFill>
+                <a:effectLst/>
+                <a:uFill>
+                  <a:solidFill>
+                    <a:srgbClr val="FFFFFF"/>
+                  </a:solidFill>
+                </a:uFill>
+                <a:sym typeface="News706BT-RomanC"/>
+              </a:rPr>
+              <a:t> statements</a:t>
+            </a:r>
+            <a:endParaRPr kumimoji="0" lang="en-US" sz="3200" b="0" i="0" u="none" strike="noStrike" cap="none" spc="0" normalizeH="0" baseline="0" dirty="0" smtClean="0">
+              <a:ln>
+                <a:noFill/>
+              </a:ln>
+              <a:solidFill>
+                <a:srgbClr val="000000"/>
+              </a:solidFill>
+              <a:effectLst/>
+              <a:uFill>
+                <a:solidFill>
+                  <a:srgbClr val="FFFFFF"/>
+                </a:solidFill>
+              </a:uFill>
+              <a:sym typeface="News706BT-RomanC"/>
+            </a:endParaRPr>
           </a:p>
           <a:p>
             <a:pPr marL="342900" marR="0" indent="-342900" algn="l" defTabSz="1308100" rtl="0" fontAlgn="auto" latinLnBrk="1" hangingPunct="0">
@@ -3717,6 +3941,37 @@
               </a:rPr>
               <a:t>Itertools</a:t>
             </a:r>
+            <a:endParaRPr kumimoji="0" lang="en-US" sz="3200" b="0" i="0" u="none" strike="noStrike" cap="none" spc="0" normalizeH="0" baseline="0" dirty="0" smtClean="0">
+              <a:ln>
+                <a:noFill/>
+              </a:ln>
+              <a:solidFill>
+                <a:srgbClr val="000000"/>
+              </a:solidFill>
+              <a:effectLst/>
+              <a:uFill>
+                <a:solidFill>
+                  <a:srgbClr val="FFFFFF"/>
+                </a:solidFill>
+              </a:uFill>
+              <a:sym typeface="News706BT-RomanC"/>
+            </a:endParaRPr>
+          </a:p>
+          <a:p>
+            <a:pPr marR="0" algn="l" defTabSz="1308100" rtl="0" fontAlgn="auto" latinLnBrk="1" hangingPunct="0">
+              <a:lnSpc>
+                <a:spcPct val="100000"/>
+              </a:lnSpc>
+              <a:spcBef>
+                <a:spcPts val="0"/>
+              </a:spcBef>
+              <a:spcAft>
+                <a:spcPts val="0"/>
+              </a:spcAft>
+              <a:buClrTx/>
+              <a:buSzTx/>
+              <a:tabLst/>
+            </a:pPr>
             <a:endParaRPr kumimoji="0" lang="en-US" sz="3200" b="0" i="0" u="none" strike="noStrike" cap="none" spc="0" normalizeH="0" baseline="0" dirty="0" smtClean="0">
               <a:ln>
                 <a:noFill/>
@@ -4014,6 +4269,176 @@
       </p:grpSpPr>
       <p:sp>
         <p:nvSpPr>
+          <p:cNvPr id="2" name="TextBox 1"/>
+          <p:cNvSpPr txBox="1"/>
+          <p:nvPr/>
+        </p:nvSpPr>
+        <p:spPr>
+          <a:xfrm>
+            <a:off x="648772" y="660842"/>
+            <a:ext cx="7771478" cy="471924"/>
+          </a:xfrm>
+          <a:prstGeom prst="rect">
+            <a:avLst/>
+          </a:prstGeom>
+          <a:noFill/>
+          <a:ln w="12700" cap="flat">
+            <a:noFill/>
+            <a:miter lim="400000"/>
+          </a:ln>
+          <a:effectLst/>
+        </p:spPr>
+        <p:style>
+          <a:lnRef idx="0">
+            <a:scrgbClr r="0" g="0" b="0"/>
+          </a:lnRef>
+          <a:fillRef idx="0">
+            <a:scrgbClr r="0" g="0" b="0"/>
+          </a:fillRef>
+          <a:effectRef idx="0">
+            <a:scrgbClr r="0" g="0" b="0"/>
+          </a:effectRef>
+          <a:fontRef idx="none"/>
+        </p:style>
+        <p:txBody>
+          <a:bodyPr rot="0" spcFirstLastPara="1" vertOverflow="overflow" horzOverflow="overflow" vert="horz" wrap="square" lIns="50800" tIns="50800" rIns="50800" bIns="50800" numCol="1" spcCol="38100" rtlCol="0" anchor="ctr">
+            <a:spAutoFit/>
+          </a:bodyPr>
+          <a:lstStyle/>
+          <a:p>
+            <a:pPr marL="0" marR="0" indent="0" algn="l" defTabSz="1308100" rtl="0" fontAlgn="auto" latinLnBrk="1" hangingPunct="0">
+              <a:lnSpc>
+                <a:spcPct val="100000"/>
+              </a:lnSpc>
+              <a:spcBef>
+                <a:spcPts val="0"/>
+              </a:spcBef>
+              <a:spcAft>
+                <a:spcPts val="0"/>
+              </a:spcAft>
+              <a:buClrTx/>
+              <a:buSzTx/>
+              <a:buFontTx/>
+              <a:buNone/>
+              <a:tabLst/>
+            </a:pPr>
+            <a:r>
+              <a:rPr kumimoji="0" lang="en-US" sz="2400" b="0" i="0" u="none" strike="noStrike" cap="none" spc="0" normalizeH="0" baseline="0" dirty="0" smtClean="0">
+                <a:ln>
+                  <a:noFill/>
+                </a:ln>
+                <a:solidFill>
+                  <a:srgbClr val="000000"/>
+                </a:solidFill>
+                <a:effectLst/>
+                <a:uFill>
+                  <a:solidFill>
+                    <a:srgbClr val="FFFFFF"/>
+                  </a:solidFill>
+                </a:uFill>
+                <a:latin typeface="News706BT-RomanC"/>
+                <a:ea typeface="News706BT-RomanC"/>
+                <a:cs typeface="News706BT-RomanC"/>
+                <a:sym typeface="News706BT-RomanC"/>
+              </a:rPr>
+              <a:t>Advanced – </a:t>
+            </a:r>
+            <a:r>
+              <a:rPr kumimoji="0" lang="en-US" sz="2400" b="0" i="0" u="none" strike="noStrike" cap="none" spc="0" normalizeH="0" baseline="0" dirty="0" err="1" smtClean="0">
+                <a:ln>
+                  <a:noFill/>
+                </a:ln>
+                <a:solidFill>
+                  <a:srgbClr val="000000"/>
+                </a:solidFill>
+                <a:effectLst/>
+                <a:uFill>
+                  <a:solidFill>
+                    <a:srgbClr val="FFFFFF"/>
+                  </a:solidFill>
+                </a:uFill>
+                <a:latin typeface="News706BT-RomanC"/>
+                <a:ea typeface="News706BT-RomanC"/>
+                <a:cs typeface="News706BT-RomanC"/>
+                <a:sym typeface="News706BT-RomanC"/>
+              </a:rPr>
+              <a:t>Numpy</a:t>
+            </a:r>
+            <a:r>
+              <a:rPr kumimoji="0" lang="en-US" sz="2400" b="0" i="0" u="none" strike="noStrike" cap="none" spc="0" normalizeH="0" baseline="0" dirty="0" smtClean="0">
+                <a:ln>
+                  <a:noFill/>
+                </a:ln>
+                <a:solidFill>
+                  <a:srgbClr val="000000"/>
+                </a:solidFill>
+                <a:effectLst/>
+                <a:uFill>
+                  <a:solidFill>
+                    <a:srgbClr val="FFFFFF"/>
+                  </a:solidFill>
+                </a:uFill>
+                <a:latin typeface="News706BT-RomanC"/>
+                <a:ea typeface="News706BT-RomanC"/>
+                <a:cs typeface="News706BT-RomanC"/>
+                <a:sym typeface="News706BT-RomanC"/>
+              </a:rPr>
+              <a:t> and math </a:t>
+            </a:r>
+            <a:endParaRPr kumimoji="0" lang="en-US" sz="2400" b="0" i="0" u="none" strike="noStrike" cap="none" spc="0" normalizeH="0" baseline="0" dirty="0">
+              <a:ln>
+                <a:noFill/>
+              </a:ln>
+              <a:solidFill>
+                <a:srgbClr val="000000"/>
+              </a:solidFill>
+              <a:effectLst/>
+              <a:uFill>
+                <a:solidFill>
+                  <a:srgbClr val="FFFFFF"/>
+                </a:solidFill>
+              </a:uFill>
+              <a:latin typeface="News706BT-RomanC"/>
+              <a:ea typeface="News706BT-RomanC"/>
+              <a:cs typeface="News706BT-RomanC"/>
+              <a:sym typeface="News706BT-RomanC"/>
+            </a:endParaRPr>
+          </a:p>
+        </p:txBody>
+      </p:sp>
+    </p:spTree>
+    <p:extLst>
+      <p:ext uri="{BB962C8B-B14F-4D97-AF65-F5344CB8AC3E}">
+        <p14:creationId xmlns:p14="http://schemas.microsoft.com/office/powerpoint/2010/main" val="844385057"/>
+      </p:ext>
+    </p:extLst>
+  </p:cSld>
+  <p:clrMapOvr>
+    <a:masterClrMapping/>
+  </p:clrMapOvr>
+  <p:transition xmlns:p14="http://schemas.microsoft.com/office/powerpoint/2010/main" spd="med"/>
+</p:sld>
+</file>
+
+<file path=ppt/slides/slide9.xml><?xml version="1.0" encoding="utf-8"?>
+<p:sld xmlns:a="http://schemas.openxmlformats.org/drawingml/2006/main" xmlns:r="http://schemas.openxmlformats.org/officeDocument/2006/relationships" xmlns:p="http://schemas.openxmlformats.org/presentationml/2006/main">
+  <p:cSld>
+    <p:spTree>
+      <p:nvGrpSpPr>
+        <p:cNvPr id="1" name=""/>
+        <p:cNvGrpSpPr/>
+        <p:nvPr/>
+      </p:nvGrpSpPr>
+      <p:grpSpPr>
+        <a:xfrm>
+          <a:off x="0" y="0"/>
+          <a:ext cx="0" cy="0"/>
+          <a:chOff x="0" y="0"/>
+          <a:chExt cx="0" cy="0"/>
+        </a:xfrm>
+      </p:grpSpPr>
+      <p:sp>
+        <p:nvSpPr>
           <p:cNvPr id="3" name="TextBox 2"/>
           <p:cNvSpPr txBox="1"/>
           <p:nvPr/>
@@ -4296,111 +4721,6 @@
     <p:extLst>
       <p:ext uri="{BB962C8B-B14F-4D97-AF65-F5344CB8AC3E}">
         <p14:creationId xmlns:p14="http://schemas.microsoft.com/office/powerpoint/2010/main" val="2568584083"/>
-      </p:ext>
-    </p:extLst>
-  </p:cSld>
-  <p:clrMapOvr>
-    <a:masterClrMapping/>
-  </p:clrMapOvr>
-  <p:transition xmlns:p14="http://schemas.microsoft.com/office/powerpoint/2010/main" spd="med"/>
-</p:sld>
-</file>
-
-<file path=ppt/slides/slide9.xml><?xml version="1.0" encoding="utf-8"?>
-<p:sld xmlns:a="http://schemas.openxmlformats.org/drawingml/2006/main" xmlns:r="http://schemas.openxmlformats.org/officeDocument/2006/relationships" xmlns:p="http://schemas.openxmlformats.org/presentationml/2006/main">
-  <p:cSld>
-    <p:spTree>
-      <p:nvGrpSpPr>
-        <p:cNvPr id="1" name=""/>
-        <p:cNvGrpSpPr/>
-        <p:nvPr/>
-      </p:nvGrpSpPr>
-      <p:grpSpPr>
-        <a:xfrm>
-          <a:off x="0" y="0"/>
-          <a:ext cx="0" cy="0"/>
-          <a:chOff x="0" y="0"/>
-          <a:chExt cx="0" cy="0"/>
-        </a:xfrm>
-      </p:grpSpPr>
-      <p:sp>
-        <p:nvSpPr>
-          <p:cNvPr id="2" name="Rectangle 1"/>
-          <p:cNvSpPr/>
-          <p:nvPr/>
-        </p:nvSpPr>
-        <p:spPr>
-          <a:xfrm>
-            <a:off x="651419" y="558899"/>
-            <a:ext cx="5163117" cy="646331"/>
-          </a:xfrm>
-          <a:prstGeom prst="rect">
-            <a:avLst/>
-          </a:prstGeom>
-        </p:spPr>
-        <p:txBody>
-          <a:bodyPr wrap="none">
-            <a:spAutoFit/>
-          </a:bodyPr>
-          <a:lstStyle/>
-          <a:p>
-            <a:r>
-              <a:rPr lang="en-US" sz="3600" dirty="0"/>
-              <a:t>IPython - tab completion</a:t>
-            </a:r>
-          </a:p>
-        </p:txBody>
-      </p:sp>
-      <p:sp>
-        <p:nvSpPr>
-          <p:cNvPr id="3" name="Rectangle 2"/>
-          <p:cNvSpPr/>
-          <p:nvPr/>
-        </p:nvSpPr>
-        <p:spPr>
-          <a:xfrm>
-            <a:off x="651419" y="1612081"/>
-            <a:ext cx="6502400" cy="830997"/>
-          </a:xfrm>
-          <a:prstGeom prst="rect">
-            <a:avLst/>
-          </a:prstGeom>
-        </p:spPr>
-        <p:txBody>
-          <a:bodyPr>
-            <a:spAutoFit/>
-          </a:bodyPr>
-          <a:lstStyle/>
-          <a:p>
-            <a:r>
-              <a:rPr lang="en-US" dirty="0" smtClean="0"/>
-              <a:t>In </a:t>
-            </a:r>
-            <a:r>
-              <a:rPr lang="en-US" dirty="0"/>
-              <a:t>[8]: ma #Press tab...</a:t>
-            </a:r>
-          </a:p>
-          <a:p>
-            <a:r>
-              <a:rPr lang="en-US" dirty="0"/>
-              <a:t>%macro %magic %man %</a:t>
-            </a:r>
-            <a:r>
-              <a:rPr lang="en-US" dirty="0" err="1"/>
-              <a:t>matplotlib</a:t>
-            </a:r>
-            <a:r>
-              <a:rPr lang="en-US" dirty="0"/>
-              <a:t> map max</a:t>
-            </a:r>
-          </a:p>
-        </p:txBody>
-      </p:sp>
-    </p:spTree>
-    <p:extLst>
-      <p:ext uri="{BB962C8B-B14F-4D97-AF65-F5344CB8AC3E}">
-        <p14:creationId xmlns:p14="http://schemas.microsoft.com/office/powerpoint/2010/main" val="782195721"/>
       </p:ext>
     </p:extLst>
   </p:cSld>

--- a/Intro2Python.pptx
+++ b/Intro2Python.pptx
@@ -2741,7 +2741,7 @@
         <p:spPr>
           <a:xfrm>
             <a:off x="635000" y="2273300"/>
-            <a:ext cx="11734800" cy="891270"/>
+            <a:ext cx="11734800" cy="2314736"/>
           </a:xfrm>
           <a:prstGeom prst="rect">
             <a:avLst/>
@@ -2807,13 +2807,79 @@
                 <a:uFillTx/>
               </a:defRPr>
             </a:pPr>
+            <a:endParaRPr lang="en-US" sz="2500" dirty="0" smtClean="0">
+              <a:uFill>
+                <a:solidFill/>
+              </a:uFill>
+            </a:endParaRPr>
+          </a:p>
+          <a:p>
+            <a:pPr marL="246944" lvl="1" indent="-246944" defTabSz="647700">
+              <a:lnSpc>
+                <a:spcPct val="110000"/>
+              </a:lnSpc>
+              <a:spcBef>
+                <a:spcPts val="400"/>
+              </a:spcBef>
+              <a:buSzPct val="85000"/>
+              <a:buFont typeface="Lucida Grande"/>
+              <a:buChar char="‣"/>
+              <a:defRPr sz="1800">
+                <a:uFillTx/>
+              </a:defRPr>
+            </a:pPr>
             <a:r>
               <a:rPr lang="en-US" sz="2500" dirty="0" smtClean="0">
                 <a:uFill>
                   <a:solidFill/>
                 </a:uFill>
               </a:rPr>
-              <a:t>Python comfort level (1 – 10)</a:t>
+              <a:t>Optional: Python comfort level (1 – 10)</a:t>
+            </a:r>
+          </a:p>
+          <a:p>
+            <a:pPr marL="246944" lvl="1" indent="-246944" defTabSz="647700">
+              <a:lnSpc>
+                <a:spcPct val="110000"/>
+              </a:lnSpc>
+              <a:spcBef>
+                <a:spcPts val="400"/>
+              </a:spcBef>
+              <a:buSzPct val="85000"/>
+              <a:buFont typeface="Lucida Grande"/>
+              <a:buChar char="‣"/>
+              <a:defRPr sz="1800">
+                <a:uFillTx/>
+              </a:defRPr>
+            </a:pPr>
+            <a:endParaRPr lang="en-US" sz="2500" dirty="0">
+              <a:uFill>
+                <a:solidFill/>
+              </a:uFill>
+            </a:endParaRPr>
+          </a:p>
+          <a:p>
+            <a:pPr marL="246944" lvl="1" indent="-246944" defTabSz="647700">
+              <a:lnSpc>
+                <a:spcPct val="110000"/>
+              </a:lnSpc>
+              <a:spcBef>
+                <a:spcPts val="400"/>
+              </a:spcBef>
+              <a:buSzPct val="85000"/>
+              <a:buFont typeface="Lucida Grande"/>
+              <a:buChar char="‣"/>
+              <a:defRPr sz="1800">
+                <a:uFillTx/>
+              </a:defRPr>
+            </a:pPr>
+            <a:r>
+              <a:rPr lang="en-US" sz="2500" dirty="0" smtClean="0">
+                <a:uFill>
+                  <a:solidFill/>
+                </a:uFill>
+              </a:rPr>
+              <a:t>Optional: Programming comfort level (1 – 10)</a:t>
             </a:r>
             <a:endParaRPr lang="en-US" sz="2500" dirty="0" smtClean="0">
               <a:uFill>
@@ -3344,21 +3410,8 @@
                   <a:srgbClr val="000000"/>
                 </a:solidFill>
               </a:rPr>
-              <a:t>Python – versions</a:t>
-            </a:r>
-            <a:r>
-              <a:rPr lang="en-US" sz="4000" smtClean="0">
-                <a:solidFill>
-                  <a:srgbClr val="000000"/>
-                </a:solidFill>
-              </a:rPr>
-              <a:t>, etc.</a:t>
-            </a:r>
-            <a:endParaRPr lang="en-US" sz="4000" dirty="0" smtClean="0">
-              <a:solidFill>
-                <a:srgbClr val="000000"/>
-              </a:solidFill>
-            </a:endParaRPr>
+              <a:t>Python – versions, etc.</a:t>
+            </a:r>
           </a:p>
           <a:p>
             <a:pPr marL="342900" lvl="5" indent="-342900" algn="l" rtl="0" latinLnBrk="1" hangingPunct="0">
